--- a/중간발표/김동환 박규하 김현종 피피티 완.pptx
+++ b/중간발표/김동환 박규하 김현종 피피티 완.pptx
@@ -12,16 +12,15 @@
     <p:sldId id="263" r:id="rId6"/>
     <p:sldId id="260" r:id="rId7"/>
     <p:sldId id="264" r:id="rId8"/>
-    <p:sldId id="265" r:id="rId9"/>
-    <p:sldId id="269" r:id="rId10"/>
-    <p:sldId id="272" r:id="rId11"/>
-    <p:sldId id="267" r:id="rId12"/>
-    <p:sldId id="266" r:id="rId13"/>
-    <p:sldId id="271" r:id="rId14"/>
+    <p:sldId id="276" r:id="rId9"/>
+    <p:sldId id="265" r:id="rId10"/>
+    <p:sldId id="269" r:id="rId11"/>
+    <p:sldId id="272" r:id="rId12"/>
+    <p:sldId id="267" r:id="rId13"/>
+    <p:sldId id="266" r:id="rId14"/>
     <p:sldId id="261" r:id="rId15"/>
-    <p:sldId id="273" r:id="rId16"/>
-    <p:sldId id="268" r:id="rId17"/>
-    <p:sldId id="262" r:id="rId18"/>
+    <p:sldId id="274" r:id="rId16"/>
+    <p:sldId id="262" r:id="rId17"/>
   </p:sldIdLst>
   <p:sldSz cx="12192000" cy="6858000"/>
   <p:notesSz cx="6858000" cy="9144000"/>
@@ -300,7 +299,7 @@
           <a:p>
             <a:fld id="{0F7907F6-E94E-4333-9C66-194F43E28F27}" type="datetimeFigureOut">
               <a:rPr lang="ko-KR" altLang="en-US" smtClean="0"/>
-              <a:t>2018-04-17</a:t>
+              <a:t>2018-04-18</a:t>
             </a:fld>
             <a:endParaRPr lang="ko-KR" altLang="en-US"/>
           </a:p>
@@ -508,7 +507,7 @@
           <a:p>
             <a:fld id="{0F7907F6-E94E-4333-9C66-194F43E28F27}" type="datetimeFigureOut">
               <a:rPr lang="ko-KR" altLang="en-US" smtClean="0"/>
-              <a:t>2018-04-17</a:t>
+              <a:t>2018-04-18</a:t>
             </a:fld>
             <a:endParaRPr lang="ko-KR" altLang="en-US"/>
           </a:p>
@@ -813,7 +812,7 @@
           <a:p>
             <a:fld id="{0F7907F6-E94E-4333-9C66-194F43E28F27}" type="datetimeFigureOut">
               <a:rPr lang="ko-KR" altLang="en-US" smtClean="0"/>
-              <a:t>2018-04-17</a:t>
+              <a:t>2018-04-18</a:t>
             </a:fld>
             <a:endParaRPr lang="ko-KR" altLang="en-US"/>
           </a:p>
@@ -1080,7 +1079,7 @@
           <a:p>
             <a:fld id="{0F7907F6-E94E-4333-9C66-194F43E28F27}" type="datetimeFigureOut">
               <a:rPr lang="ko-KR" altLang="en-US" smtClean="0"/>
-              <a:t>2018-04-17</a:t>
+              <a:t>2018-04-18</a:t>
             </a:fld>
             <a:endParaRPr lang="ko-KR" altLang="en-US"/>
           </a:p>
@@ -1483,7 +1482,7 @@
           <a:p>
             <a:fld id="{0F7907F6-E94E-4333-9C66-194F43E28F27}" type="datetimeFigureOut">
               <a:rPr lang="ko-KR" altLang="en-US" smtClean="0"/>
-              <a:t>2018-04-17</a:t>
+              <a:t>2018-04-18</a:t>
             </a:fld>
             <a:endParaRPr lang="ko-KR" altLang="en-US"/>
           </a:p>
@@ -1632,7 +1631,7 @@
           <a:p>
             <a:fld id="{0F7907F6-E94E-4333-9C66-194F43E28F27}" type="datetimeFigureOut">
               <a:rPr lang="ko-KR" altLang="en-US" smtClean="0"/>
-              <a:t>2018-04-17</a:t>
+              <a:t>2018-04-18</a:t>
             </a:fld>
             <a:endParaRPr lang="ko-KR" altLang="en-US"/>
           </a:p>
@@ -1751,7 +1750,7 @@
           <a:p>
             <a:fld id="{0F7907F6-E94E-4333-9C66-194F43E28F27}" type="datetimeFigureOut">
               <a:rPr lang="ko-KR" altLang="en-US" smtClean="0"/>
-              <a:t>2018-04-17</a:t>
+              <a:t>2018-04-18</a:t>
             </a:fld>
             <a:endParaRPr lang="ko-KR" altLang="en-US"/>
           </a:p>
@@ -2059,7 +2058,7 @@
           <a:p>
             <a:fld id="{0F7907F6-E94E-4333-9C66-194F43E28F27}" type="datetimeFigureOut">
               <a:rPr lang="ko-KR" altLang="en-US" smtClean="0"/>
-              <a:t>2018-04-17</a:t>
+              <a:t>2018-04-18</a:t>
             </a:fld>
             <a:endParaRPr lang="ko-KR" altLang="en-US"/>
           </a:p>
@@ -2347,7 +2346,7 @@
           <a:p>
             <a:fld id="{0F7907F6-E94E-4333-9C66-194F43E28F27}" type="datetimeFigureOut">
               <a:rPr lang="ko-KR" altLang="en-US" smtClean="0"/>
-              <a:t>2018-04-17</a:t>
+              <a:t>2018-04-18</a:t>
             </a:fld>
             <a:endParaRPr lang="ko-KR" altLang="en-US"/>
           </a:p>
@@ -3356,8 +3355,8 @@
         </p:nvSpPr>
         <p:spPr>
           <a:xfrm>
-            <a:off x="5149851" y="3894494"/>
-            <a:ext cx="2173993" cy="369332"/>
+            <a:off x="4990352" y="3894494"/>
+            <a:ext cx="2492990" cy="646331"/>
           </a:xfrm>
           <a:prstGeom prst="rect">
             <a:avLst/>
@@ -3372,6 +3371,19 @@
           <a:p>
             <a:pPr algn="ctr"/>
             <a:r>
+              <a:rPr lang="en-US" altLang="ko-KR" dirty="0" smtClean="0">
+                <a:solidFill>
+                  <a:schemeClr val="bg1"/>
+                </a:solidFill>
+                <a:latin typeface="KoPub돋움체 Light" panose="02020603020101020101" pitchFamily="18" charset="-127"/>
+                <a:ea typeface="KoPub돋움체 Light" panose="02020603020101020101" pitchFamily="18" charset="-127"/>
+              </a:rPr>
+              <a:t>Go Rail</a:t>
+            </a:r>
+          </a:p>
+          <a:p>
+            <a:pPr algn="ctr"/>
+            <a:r>
               <a:rPr lang="ko-KR" altLang="en-US" dirty="0" smtClean="0">
                 <a:solidFill>
                   <a:schemeClr val="bg1"/>
@@ -3399,9 +3411,19 @@
                 <a:latin typeface="KoPub돋움체 Light" panose="02020603020101020101" pitchFamily="18" charset="-127"/>
                 <a:ea typeface="KoPub돋움체 Light" panose="02020603020101020101" pitchFamily="18" charset="-127"/>
               </a:rPr>
-              <a:t> 김현종</a:t>
-            </a:r>
-            <a:endParaRPr lang="ko-KR" altLang="en-US" dirty="0">
+              <a:t> </a:t>
+            </a:r>
+            <a:r>
+              <a:rPr lang="ko-KR" altLang="en-US" dirty="0" smtClean="0">
+                <a:solidFill>
+                  <a:schemeClr val="bg1"/>
+                </a:solidFill>
+                <a:latin typeface="KoPub돋움체 Light" panose="02020603020101020101" pitchFamily="18" charset="-127"/>
+                <a:ea typeface="KoPub돋움체 Light" panose="02020603020101020101" pitchFamily="18" charset="-127"/>
+              </a:rPr>
+              <a:t>김현종</a:t>
+            </a:r>
+            <a:endParaRPr lang="en-US" altLang="ko-KR" dirty="0" smtClean="0">
               <a:solidFill>
                 <a:schemeClr val="bg1"/>
               </a:solidFill>
@@ -3725,6 +3747,539 @@
         <p:spPr>
           <a:xfrm>
             <a:off x="888557" y="265928"/>
+            <a:ext cx="2518638" cy="523220"/>
+          </a:xfrm>
+          <a:prstGeom prst="rect">
+            <a:avLst/>
+          </a:prstGeom>
+          <a:noFill/>
+        </p:spPr>
+        <p:txBody>
+          <a:bodyPr wrap="none" rtlCol="0">
+            <a:spAutoFit/>
+          </a:bodyPr>
+          <a:lstStyle/>
+          <a:p>
+            <a:r>
+              <a:rPr lang="ko-KR" altLang="en-US" sz="2800" dirty="0" smtClean="0">
+                <a:solidFill>
+                  <a:schemeClr val="bg1"/>
+                </a:solidFill>
+                <a:latin typeface="KoPub돋움체 Light" panose="02020603020101020101" pitchFamily="18" charset="-127"/>
+                <a:ea typeface="KoPub돋움체 Light" panose="02020603020101020101" pitchFamily="18" charset="-127"/>
+              </a:rPr>
+              <a:t>시스템</a:t>
+            </a:r>
+            <a:r>
+              <a:rPr lang="en-US" altLang="ko-KR" sz="2800" dirty="0" smtClean="0">
+                <a:solidFill>
+                  <a:schemeClr val="bg1"/>
+                </a:solidFill>
+                <a:latin typeface="KoPub돋움체 Light" panose="02020603020101020101" pitchFamily="18" charset="-127"/>
+                <a:ea typeface="KoPub돋움체 Light" panose="02020603020101020101" pitchFamily="18" charset="-127"/>
+              </a:rPr>
+              <a:t> </a:t>
+            </a:r>
+            <a:r>
+              <a:rPr lang="ko-KR" altLang="en-US" sz="2800" dirty="0" smtClean="0">
+                <a:solidFill>
+                  <a:schemeClr val="bg1"/>
+                </a:solidFill>
+                <a:latin typeface="KoPub돋움체 Light" panose="02020603020101020101" pitchFamily="18" charset="-127"/>
+                <a:ea typeface="KoPub돋움체 Light" panose="02020603020101020101" pitchFamily="18" charset="-127"/>
+              </a:rPr>
+              <a:t>구성도</a:t>
+            </a:r>
+            <a:endParaRPr lang="en-US" altLang="ko-KR" sz="2800" dirty="0">
+              <a:solidFill>
+                <a:schemeClr val="bg1"/>
+              </a:solidFill>
+              <a:latin typeface="KoPub돋움체 Light" panose="02020603020101020101" pitchFamily="18" charset="-127"/>
+              <a:ea typeface="KoPub돋움체 Light" panose="02020603020101020101" pitchFamily="18" charset="-127"/>
+            </a:endParaRPr>
+          </a:p>
+        </p:txBody>
+      </p:sp>
+      <p:sp>
+        <p:nvSpPr>
+          <p:cNvPr id="2" name="Rectangle 2"/>
+          <p:cNvSpPr>
+            <a:spLocks noChangeArrowheads="1"/>
+          </p:cNvSpPr>
+          <p:nvPr/>
+        </p:nvSpPr>
+        <p:spPr bwMode="auto">
+          <a:xfrm>
+            <a:off x="888557" y="1250913"/>
+            <a:ext cx="12192000" cy="457200"/>
+          </a:xfrm>
+          <a:prstGeom prst="rect">
+            <a:avLst/>
+          </a:prstGeom>
+          <a:noFill/>
+          <a:ln>
+            <a:noFill/>
+          </a:ln>
+          <a:effectLst/>
+          <a:extLst>
+            <a:ext uri="{909E8E84-426E-40DD-AFC4-6F175D3DCCD1}">
+              <a14:hiddenFill xmlns:a14="http://schemas.microsoft.com/office/drawing/2010/main">
+                <a:solidFill>
+                  <a:schemeClr val="accent1"/>
+                </a:solidFill>
+              </a14:hiddenFill>
+            </a:ext>
+            <a:ext uri="{91240B29-F687-4F45-9708-019B960494DF}">
+              <a14:hiddenLine xmlns:a14="http://schemas.microsoft.com/office/drawing/2010/main" w="9525">
+                <a:solidFill>
+                  <a:schemeClr val="tx1"/>
+                </a:solidFill>
+                <a:miter lim="800000"/>
+                <a:headEnd/>
+                <a:tailEnd/>
+              </a14:hiddenLine>
+            </a:ext>
+            <a:ext uri="{AF507438-7753-43E0-B8FC-AC1667EBCBE1}">
+              <a14:hiddenEffects xmlns:a14="http://schemas.microsoft.com/office/drawing/2010/main">
+                <a:effectLst>
+                  <a:outerShdw dist="35921" dir="2700000" algn="ctr" rotWithShape="0">
+                    <a:schemeClr val="bg2"/>
+                  </a:outerShdw>
+                </a:effectLst>
+              </a14:hiddenEffects>
+            </a:ext>
+          </a:extLst>
+        </p:spPr>
+        <p:txBody>
+          <a:bodyPr vert="horz" wrap="none" lIns="91440" tIns="45720" rIns="91440" bIns="45720" numCol="1" anchor="ctr" anchorCtr="0" compatLnSpc="1">
+            <a:prstTxWarp prst="textNoShape">
+              <a:avLst/>
+            </a:prstTxWarp>
+            <a:spAutoFit/>
+          </a:bodyPr>
+          <a:lstStyle/>
+          <a:p>
+            <a:endParaRPr lang="ko-KR" altLang="en-US"/>
+          </a:p>
+        </p:txBody>
+      </p:sp>
+      <p:sp>
+        <p:nvSpPr>
+          <p:cNvPr id="3" name="Rectangle 4"/>
+          <p:cNvSpPr>
+            <a:spLocks noChangeArrowheads="1"/>
+          </p:cNvSpPr>
+          <p:nvPr/>
+        </p:nvSpPr>
+        <p:spPr bwMode="auto">
+          <a:xfrm>
+            <a:off x="5229726" y="1250913"/>
+            <a:ext cx="12192000" cy="457200"/>
+          </a:xfrm>
+          <a:prstGeom prst="rect">
+            <a:avLst/>
+          </a:prstGeom>
+          <a:noFill/>
+          <a:ln>
+            <a:noFill/>
+          </a:ln>
+          <a:effectLst/>
+          <a:extLst>
+            <a:ext uri="{909E8E84-426E-40DD-AFC4-6F175D3DCCD1}">
+              <a14:hiddenFill xmlns:a14="http://schemas.microsoft.com/office/drawing/2010/main">
+                <a:solidFill>
+                  <a:schemeClr val="accent1"/>
+                </a:solidFill>
+              </a14:hiddenFill>
+            </a:ext>
+            <a:ext uri="{91240B29-F687-4F45-9708-019B960494DF}">
+              <a14:hiddenLine xmlns:a14="http://schemas.microsoft.com/office/drawing/2010/main" w="9525">
+                <a:solidFill>
+                  <a:schemeClr val="tx1"/>
+                </a:solidFill>
+                <a:miter lim="800000"/>
+                <a:headEnd/>
+                <a:tailEnd/>
+              </a14:hiddenLine>
+            </a:ext>
+            <a:ext uri="{AF507438-7753-43E0-B8FC-AC1667EBCBE1}">
+              <a14:hiddenEffects xmlns:a14="http://schemas.microsoft.com/office/drawing/2010/main">
+                <a:effectLst>
+                  <a:outerShdw dist="35921" dir="2700000" algn="ctr" rotWithShape="0">
+                    <a:schemeClr val="bg2"/>
+                  </a:outerShdw>
+                </a:effectLst>
+              </a14:hiddenEffects>
+            </a:ext>
+          </a:extLst>
+        </p:spPr>
+        <p:txBody>
+          <a:bodyPr vert="horz" wrap="none" lIns="91440" tIns="45720" rIns="91440" bIns="45720" numCol="1" anchor="ctr" anchorCtr="0" compatLnSpc="1">
+            <a:prstTxWarp prst="textNoShape">
+              <a:avLst/>
+            </a:prstTxWarp>
+            <a:spAutoFit/>
+          </a:bodyPr>
+          <a:lstStyle/>
+          <a:p>
+            <a:endParaRPr lang="ko-KR" altLang="en-US"/>
+          </a:p>
+        </p:txBody>
+      </p:sp>
+      <p:sp>
+        <p:nvSpPr>
+          <p:cNvPr id="4" name="Rectangle 6"/>
+          <p:cNvSpPr>
+            <a:spLocks noChangeArrowheads="1"/>
+          </p:cNvSpPr>
+          <p:nvPr/>
+        </p:nvSpPr>
+        <p:spPr bwMode="auto">
+          <a:xfrm>
+            <a:off x="0" y="0"/>
+            <a:ext cx="12192000" cy="457200"/>
+          </a:xfrm>
+          <a:prstGeom prst="rect">
+            <a:avLst/>
+          </a:prstGeom>
+          <a:noFill/>
+          <a:ln>
+            <a:noFill/>
+          </a:ln>
+          <a:effectLst/>
+          <a:extLst>
+            <a:ext uri="{909E8E84-426E-40DD-AFC4-6F175D3DCCD1}">
+              <a14:hiddenFill xmlns:a14="http://schemas.microsoft.com/office/drawing/2010/main">
+                <a:solidFill>
+                  <a:schemeClr val="accent1"/>
+                </a:solidFill>
+              </a14:hiddenFill>
+            </a:ext>
+            <a:ext uri="{91240B29-F687-4F45-9708-019B960494DF}">
+              <a14:hiddenLine xmlns:a14="http://schemas.microsoft.com/office/drawing/2010/main" w="9525">
+                <a:solidFill>
+                  <a:schemeClr val="tx1"/>
+                </a:solidFill>
+                <a:miter lim="800000"/>
+                <a:headEnd/>
+                <a:tailEnd/>
+              </a14:hiddenLine>
+            </a:ext>
+            <a:ext uri="{AF507438-7753-43E0-B8FC-AC1667EBCBE1}">
+              <a14:hiddenEffects xmlns:a14="http://schemas.microsoft.com/office/drawing/2010/main">
+                <a:effectLst>
+                  <a:outerShdw dist="35921" dir="2700000" algn="ctr" rotWithShape="0">
+                    <a:schemeClr val="bg2"/>
+                  </a:outerShdw>
+                </a:effectLst>
+              </a14:hiddenEffects>
+            </a:ext>
+          </a:extLst>
+        </p:spPr>
+        <p:txBody>
+          <a:bodyPr vert="horz" wrap="none" lIns="91440" tIns="45720" rIns="91440" bIns="45720" numCol="1" anchor="ctr" anchorCtr="0" compatLnSpc="1">
+            <a:prstTxWarp prst="textNoShape">
+              <a:avLst/>
+            </a:prstTxWarp>
+            <a:spAutoFit/>
+          </a:bodyPr>
+          <a:lstStyle/>
+          <a:p>
+            <a:endParaRPr lang="ko-KR" altLang="en-US"/>
+          </a:p>
+        </p:txBody>
+      </p:sp>
+      <p:pic>
+        <p:nvPicPr>
+          <p:cNvPr id="5" name="그림 4"/>
+          <p:cNvPicPr>
+            <a:picLocks noChangeAspect="1"/>
+          </p:cNvPicPr>
+          <p:nvPr/>
+        </p:nvPicPr>
+        <p:blipFill>
+          <a:blip r:embed="rId2">
+            <a:extLst>
+              <a:ext uri="{28A0092B-C50C-407E-A947-70E740481C1C}">
+                <a14:useLocalDpi xmlns:a14="http://schemas.microsoft.com/office/drawing/2010/main" val="0"/>
+              </a:ext>
+            </a:extLst>
+          </a:blip>
+          <a:stretch>
+            <a:fillRect/>
+          </a:stretch>
+        </p:blipFill>
+        <p:spPr>
+          <a:xfrm>
+            <a:off x="2661552" y="1582861"/>
+            <a:ext cx="6699191" cy="4800489"/>
+          </a:xfrm>
+          <a:prstGeom prst="rect">
+            <a:avLst/>
+          </a:prstGeom>
+        </p:spPr>
+      </p:pic>
+    </p:spTree>
+    <p:extLst>
+      <p:ext uri="{BB962C8B-B14F-4D97-AF65-F5344CB8AC3E}">
+        <p14:creationId xmlns:p14="http://schemas.microsoft.com/office/powerpoint/2010/main" val="723859204"/>
+      </p:ext>
+    </p:extLst>
+  </p:cSld>
+  <p:clrMapOvr>
+    <a:masterClrMapping/>
+  </p:clrMapOvr>
+  <p:timing>
+    <p:tnLst>
+      <p:par>
+        <p:cTn id="1" dur="indefinite" restart="never" nodeType="tmRoot"/>
+      </p:par>
+    </p:tnLst>
+  </p:timing>
+</p:sld>
+</file>
+
+<file path=ppt/slides/slide11.xml><?xml version="1.0" encoding="utf-8"?>
+<p:sld xmlns:a="http://schemas.openxmlformats.org/drawingml/2006/main" xmlns:r="http://schemas.openxmlformats.org/officeDocument/2006/relationships" xmlns:p="http://schemas.openxmlformats.org/presentationml/2006/main">
+  <p:cSld>
+    <p:bg>
+      <p:bgPr>
+        <a:solidFill>
+          <a:srgbClr val="222222"/>
+        </a:solidFill>
+        <a:effectLst/>
+      </p:bgPr>
+    </p:bg>
+    <p:spTree>
+      <p:nvGrpSpPr>
+        <p:cNvPr id="1" name=""/>
+        <p:cNvGrpSpPr/>
+        <p:nvPr/>
+      </p:nvGrpSpPr>
+      <p:grpSpPr>
+        <a:xfrm>
+          <a:off x="0" y="0"/>
+          <a:ext cx="0" cy="0"/>
+          <a:chOff x="0" y="0"/>
+          <a:chExt cx="0" cy="0"/>
+        </a:xfrm>
+      </p:grpSpPr>
+      <p:sp>
+        <p:nvSpPr>
+          <p:cNvPr id="2240" name="이등변 삼각형 2239"/>
+          <p:cNvSpPr/>
+          <p:nvPr/>
+        </p:nvSpPr>
+        <p:spPr>
+          <a:xfrm>
+            <a:off x="6011148" y="100484"/>
+            <a:ext cx="1203569" cy="954593"/>
+          </a:xfrm>
+          <a:prstGeom prst="triangle">
+            <a:avLst/>
+          </a:prstGeom>
+          <a:solidFill>
+            <a:srgbClr val="222222"/>
+          </a:solidFill>
+          <a:ln>
+            <a:noFill/>
+          </a:ln>
+          <a:effectLst>
+            <a:outerShdw blurRad="50800" dist="38100" dir="18900000" algn="bl" rotWithShape="0">
+              <a:prstClr val="black">
+                <a:alpha val="40000"/>
+              </a:prstClr>
+            </a:outerShdw>
+          </a:effectLst>
+        </p:spPr>
+        <p:style>
+          <a:lnRef idx="2">
+            <a:schemeClr val="accent1">
+              <a:shade val="50000"/>
+            </a:schemeClr>
+          </a:lnRef>
+          <a:fillRef idx="1">
+            <a:schemeClr val="accent1"/>
+          </a:fillRef>
+          <a:effectRef idx="0">
+            <a:schemeClr val="accent1"/>
+          </a:effectRef>
+          <a:fontRef idx="minor">
+            <a:schemeClr val="lt1"/>
+          </a:fontRef>
+        </p:style>
+        <p:txBody>
+          <a:bodyPr rtlCol="0" anchor="ctr"/>
+          <a:lstStyle/>
+          <a:p>
+            <a:pPr algn="ctr"/>
+            <a:endParaRPr lang="ko-KR" altLang="en-US"/>
+          </a:p>
+        </p:txBody>
+      </p:sp>
+      <p:sp>
+        <p:nvSpPr>
+          <p:cNvPr id="1302" name="자유형 1301"/>
+          <p:cNvSpPr/>
+          <p:nvPr/>
+        </p:nvSpPr>
+        <p:spPr>
+          <a:xfrm>
+            <a:off x="0" y="0"/>
+            <a:ext cx="6794939" cy="1055077"/>
+          </a:xfrm>
+          <a:custGeom>
+            <a:avLst/>
+            <a:gdLst>
+              <a:gd name="connsiteX0" fmla="*/ 0 w 6794939"/>
+              <a:gd name="connsiteY0" fmla="*/ 0 h 1198179"/>
+              <a:gd name="connsiteX1" fmla="*/ 299546 w 6794939"/>
+              <a:gd name="connsiteY1" fmla="*/ 0 h 1198179"/>
+              <a:gd name="connsiteX2" fmla="*/ 1418897 w 6794939"/>
+              <a:gd name="connsiteY2" fmla="*/ 0 h 1198179"/>
+              <a:gd name="connsiteX3" fmla="*/ 6794939 w 6794939"/>
+              <a:gd name="connsiteY3" fmla="*/ 0 h 1198179"/>
+              <a:gd name="connsiteX4" fmla="*/ 6495394 w 6794939"/>
+              <a:gd name="connsiteY4" fmla="*/ 1198179 h 1198179"/>
+              <a:gd name="connsiteX5" fmla="*/ 1418897 w 6794939"/>
+              <a:gd name="connsiteY5" fmla="*/ 1198179 h 1198179"/>
+              <a:gd name="connsiteX6" fmla="*/ 1 w 6794939"/>
+              <a:gd name="connsiteY6" fmla="*/ 1198179 h 1198179"/>
+              <a:gd name="connsiteX7" fmla="*/ 0 w 6794939"/>
+              <a:gd name="connsiteY7" fmla="*/ 1198179 h 1198179"/>
+              <a:gd name="connsiteX0" fmla="*/ 0 w 6794939"/>
+              <a:gd name="connsiteY0" fmla="*/ 0 h 1213945"/>
+              <a:gd name="connsiteX1" fmla="*/ 299546 w 6794939"/>
+              <a:gd name="connsiteY1" fmla="*/ 0 h 1213945"/>
+              <a:gd name="connsiteX2" fmla="*/ 1418897 w 6794939"/>
+              <a:gd name="connsiteY2" fmla="*/ 0 h 1213945"/>
+              <a:gd name="connsiteX3" fmla="*/ 6794939 w 6794939"/>
+              <a:gd name="connsiteY3" fmla="*/ 0 h 1213945"/>
+              <a:gd name="connsiteX4" fmla="*/ 5990898 w 6794939"/>
+              <a:gd name="connsiteY4" fmla="*/ 1213945 h 1213945"/>
+              <a:gd name="connsiteX5" fmla="*/ 1418897 w 6794939"/>
+              <a:gd name="connsiteY5" fmla="*/ 1198179 h 1213945"/>
+              <a:gd name="connsiteX6" fmla="*/ 1 w 6794939"/>
+              <a:gd name="connsiteY6" fmla="*/ 1198179 h 1213945"/>
+              <a:gd name="connsiteX7" fmla="*/ 0 w 6794939"/>
+              <a:gd name="connsiteY7" fmla="*/ 1198179 h 1213945"/>
+              <a:gd name="connsiteX8" fmla="*/ 0 w 6794939"/>
+              <a:gd name="connsiteY8" fmla="*/ 0 h 1213945"/>
+            </a:gdLst>
+            <a:ahLst/>
+            <a:cxnLst>
+              <a:cxn ang="0">
+                <a:pos x="connsiteX0" y="connsiteY0"/>
+              </a:cxn>
+              <a:cxn ang="0">
+                <a:pos x="connsiteX1" y="connsiteY1"/>
+              </a:cxn>
+              <a:cxn ang="0">
+                <a:pos x="connsiteX2" y="connsiteY2"/>
+              </a:cxn>
+              <a:cxn ang="0">
+                <a:pos x="connsiteX3" y="connsiteY3"/>
+              </a:cxn>
+              <a:cxn ang="0">
+                <a:pos x="connsiteX4" y="connsiteY4"/>
+              </a:cxn>
+              <a:cxn ang="0">
+                <a:pos x="connsiteX5" y="connsiteY5"/>
+              </a:cxn>
+              <a:cxn ang="0">
+                <a:pos x="connsiteX6" y="connsiteY6"/>
+              </a:cxn>
+              <a:cxn ang="0">
+                <a:pos x="connsiteX7" y="connsiteY7"/>
+              </a:cxn>
+              <a:cxn ang="0">
+                <a:pos x="connsiteX8" y="connsiteY8"/>
+              </a:cxn>
+            </a:cxnLst>
+            <a:rect l="l" t="t" r="r" b="b"/>
+            <a:pathLst>
+              <a:path w="6794939" h="1213945">
+                <a:moveTo>
+                  <a:pt x="0" y="0"/>
+                </a:moveTo>
+                <a:lnTo>
+                  <a:pt x="299546" y="0"/>
+                </a:lnTo>
+                <a:lnTo>
+                  <a:pt x="1418897" y="0"/>
+                </a:lnTo>
+                <a:lnTo>
+                  <a:pt x="6794939" y="0"/>
+                </a:lnTo>
+                <a:lnTo>
+                  <a:pt x="5990898" y="1213945"/>
+                </a:lnTo>
+                <a:lnTo>
+                  <a:pt x="1418897" y="1198179"/>
+                </a:lnTo>
+                <a:lnTo>
+                  <a:pt x="1" y="1198179"/>
+                </a:lnTo>
+                <a:lnTo>
+                  <a:pt x="0" y="1198179"/>
+                </a:lnTo>
+                <a:lnTo>
+                  <a:pt x="0" y="0"/>
+                </a:lnTo>
+                <a:close/>
+              </a:path>
+            </a:pathLst>
+          </a:custGeom>
+          <a:solidFill>
+            <a:schemeClr val="accent1">
+              <a:lumMod val="50000"/>
+            </a:schemeClr>
+          </a:solidFill>
+          <a:ln>
+            <a:noFill/>
+          </a:ln>
+          <a:effectLst>
+            <a:outerShdw blurRad="50800" dist="38100" dir="2700000" algn="tl" rotWithShape="0">
+              <a:prstClr val="black">
+                <a:alpha val="40000"/>
+              </a:prstClr>
+            </a:outerShdw>
+          </a:effectLst>
+        </p:spPr>
+        <p:style>
+          <a:lnRef idx="2">
+            <a:schemeClr val="accent1">
+              <a:shade val="50000"/>
+            </a:schemeClr>
+          </a:lnRef>
+          <a:fillRef idx="1">
+            <a:schemeClr val="accent1"/>
+          </a:fillRef>
+          <a:effectRef idx="0">
+            <a:schemeClr val="accent1"/>
+          </a:effectRef>
+          <a:fontRef idx="minor">
+            <a:schemeClr val="lt1"/>
+          </a:fontRef>
+        </p:style>
+        <p:txBody>
+          <a:bodyPr rtlCol="0" anchor="ctr"/>
+          <a:lstStyle/>
+          <a:p>
+            <a:pPr algn="ctr"/>
+            <a:endParaRPr lang="ko-KR" altLang="en-US"/>
+          </a:p>
+        </p:txBody>
+      </p:sp>
+      <p:sp>
+        <p:nvSpPr>
+          <p:cNvPr id="26" name="TextBox 25"/>
+          <p:cNvSpPr txBox="1"/>
+          <p:nvPr/>
+        </p:nvSpPr>
+        <p:spPr>
+          <a:xfrm>
+            <a:off x="888557" y="265928"/>
             <a:ext cx="2159566" cy="523220"/>
           </a:xfrm>
           <a:prstGeom prst="rect">
@@ -3991,7 +4546,7 @@
 </p:sld>
 </file>
 
-<file path=ppt/slides/slide11.xml><?xml version="1.0" encoding="utf-8"?>
+<file path=ppt/slides/slide12.xml><?xml version="1.0" encoding="utf-8"?>
 <p:sld xmlns:a="http://schemas.openxmlformats.org/drawingml/2006/main" xmlns:r="http://schemas.openxmlformats.org/officeDocument/2006/relationships" xmlns:p="http://schemas.openxmlformats.org/presentationml/2006/main">
   <p:cSld>
     <p:bg>
@@ -5119,7 +5674,7 @@
 </p:sld>
 </file>
 
-<file path=ppt/slides/slide12.xml><?xml version="1.0" encoding="utf-8"?>
+<file path=ppt/slides/slide13.xml><?xml version="1.0" encoding="utf-8"?>
 <p:sld xmlns:a="http://schemas.openxmlformats.org/drawingml/2006/main" xmlns:r="http://schemas.openxmlformats.org/officeDocument/2006/relationships" xmlns:p="http://schemas.openxmlformats.org/presentationml/2006/main">
   <p:cSld>
     <p:bg>
@@ -6020,7 +6575,7 @@
 </p:sld>
 </file>
 
-<file path=ppt/slides/slide13.xml><?xml version="1.0" encoding="utf-8"?>
+<file path=ppt/slides/slide14.xml><?xml version="1.0" encoding="utf-8"?>
 <p:sld xmlns:a="http://schemas.openxmlformats.org/drawingml/2006/main" xmlns:r="http://schemas.openxmlformats.org/officeDocument/2006/relationships" xmlns:p="http://schemas.openxmlformats.org/presentationml/2006/main">
   <p:cSld>
     <p:bg>
@@ -6094,11 +6649,7 @@
           <a:lstStyle/>
           <a:p>
             <a:pPr algn="ctr"/>
-            <a:endParaRPr lang="ko-KR" altLang="en-US">
-              <a:solidFill>
-                <a:prstClr val="white"/>
-              </a:solidFill>
-            </a:endParaRPr>
+            <a:endParaRPr lang="ko-KR" altLang="en-US"/>
           </a:p>
         </p:txBody>
       </p:sp>
@@ -6252,11 +6803,7 @@
           <a:lstStyle/>
           <a:p>
             <a:pPr algn="ctr"/>
-            <a:endParaRPr lang="ko-KR" altLang="en-US">
-              <a:solidFill>
-                <a:prstClr val="white"/>
-              </a:solidFill>
-            </a:endParaRPr>
+            <a:endParaRPr lang="ko-KR" altLang="en-US"/>
           </a:p>
         </p:txBody>
       </p:sp>
@@ -6269,7 +6816,7 @@
         <p:spPr>
           <a:xfrm>
             <a:off x="888557" y="265928"/>
-            <a:ext cx="1741182" cy="523220"/>
+            <a:ext cx="1580882" cy="523220"/>
           </a:xfrm>
           <a:prstGeom prst="rect">
             <a:avLst/>
@@ -6285,16 +6832,16 @@
             <a:r>
               <a:rPr lang="ko-KR" altLang="en-US" sz="2800" dirty="0" smtClean="0">
                 <a:solidFill>
-                  <a:prstClr val="white"/>
+                  <a:schemeClr val="bg1"/>
                 </a:solidFill>
                 <a:latin typeface="KoPub돋움체 Light" panose="02020603020101020101" pitchFamily="18" charset="-127"/>
                 <a:ea typeface="KoPub돋움체 Light" panose="02020603020101020101" pitchFamily="18" charset="-127"/>
               </a:rPr>
-              <a:t>남은 과제</a:t>
+              <a:t>작품 설명</a:t>
             </a:r>
             <a:endParaRPr lang="ko-KR" altLang="en-US" sz="2800" dirty="0">
               <a:solidFill>
-                <a:prstClr val="white"/>
+                <a:schemeClr val="bg1"/>
               </a:solidFill>
               <a:latin typeface="KoPub돋움체 Light" panose="02020603020101020101" pitchFamily="18" charset="-127"/>
               <a:ea typeface="KoPub돋움체 Light" panose="02020603020101020101" pitchFamily="18" charset="-127"/>
@@ -6302,16 +6849,97 @@
           </a:p>
         </p:txBody>
       </p:sp>
+      <p:pic>
+        <p:nvPicPr>
+          <p:cNvPr id="2" name="그림 1"/>
+          <p:cNvPicPr>
+            <a:picLocks noChangeAspect="1"/>
+          </p:cNvPicPr>
+          <p:nvPr/>
+        </p:nvPicPr>
+        <p:blipFill>
+          <a:blip r:embed="rId2"/>
+          <a:stretch>
+            <a:fillRect/>
+          </a:stretch>
+        </p:blipFill>
+        <p:spPr>
+          <a:xfrm>
+            <a:off x="888557" y="2205265"/>
+            <a:ext cx="3904322" cy="3222946"/>
+          </a:xfrm>
+          <a:prstGeom prst="rect">
+            <a:avLst/>
+          </a:prstGeom>
+        </p:spPr>
+      </p:pic>
+      <p:pic>
+        <p:nvPicPr>
+          <p:cNvPr id="21" name="그림 20"/>
+          <p:cNvPicPr>
+            <a:picLocks noChangeAspect="1"/>
+          </p:cNvPicPr>
+          <p:nvPr/>
+        </p:nvPicPr>
+        <p:blipFill>
+          <a:blip r:embed="rId3"/>
+          <a:stretch>
+            <a:fillRect/>
+          </a:stretch>
+        </p:blipFill>
+        <p:spPr>
+          <a:xfrm>
+            <a:off x="8079165" y="2205265"/>
+            <a:ext cx="3558652" cy="3222946"/>
+          </a:xfrm>
+          <a:prstGeom prst="rect">
+            <a:avLst/>
+          </a:prstGeom>
+        </p:spPr>
+      </p:pic>
+      <p:cxnSp>
+        <p:nvCxnSpPr>
+          <p:cNvPr id="25" name="직선 화살표 연결선 24"/>
+          <p:cNvCxnSpPr/>
+          <p:nvPr/>
+        </p:nvCxnSpPr>
+        <p:spPr>
+          <a:xfrm flipH="1">
+            <a:off x="4276208" y="2370729"/>
+            <a:ext cx="1251756" cy="1446009"/>
+          </a:xfrm>
+          <a:prstGeom prst="straightConnector1">
+            <a:avLst/>
+          </a:prstGeom>
+          <a:ln>
+            <a:tailEnd type="triangle"/>
+          </a:ln>
+        </p:spPr>
+        <p:style>
+          <a:lnRef idx="1">
+            <a:schemeClr val="accent1"/>
+          </a:lnRef>
+          <a:fillRef idx="0">
+            <a:schemeClr val="accent1"/>
+          </a:fillRef>
+          <a:effectRef idx="0">
+            <a:schemeClr val="accent1"/>
+          </a:effectRef>
+          <a:fontRef idx="minor">
+            <a:schemeClr val="tx1"/>
+          </a:fontRef>
+        </p:style>
+      </p:cxnSp>
       <p:sp>
         <p:nvSpPr>
-          <p:cNvPr id="9" name="TextBox 8"/>
+          <p:cNvPr id="34" name="TextBox 33"/>
           <p:cNvSpPr txBox="1"/>
           <p:nvPr/>
         </p:nvSpPr>
         <p:spPr>
           <a:xfrm>
-            <a:off x="361487" y="1509429"/>
-            <a:ext cx="7379368" cy="1938992"/>
+            <a:off x="5570241" y="2122264"/>
+            <a:ext cx="1675680" cy="2554545"/>
           </a:xfrm>
           <a:prstGeom prst="rect">
             <a:avLst/>
@@ -6324,51 +6952,17 @@
           </a:bodyPr>
           <a:lstStyle/>
           <a:p>
-            <a:pPr marL="342900" indent="-342900">
-              <a:buFont typeface="Arial" panose="020B0604020202020204" pitchFamily="34" charset="0"/>
-              <a:buChar char="•"/>
-            </a:pPr>
-            <a:r>
-              <a:rPr lang="ko-KR" altLang="en-US" sz="2400" dirty="0" err="1" smtClean="0">
+            <a:r>
+              <a:rPr lang="ko-KR" altLang="en-US" sz="1600" dirty="0" err="1" smtClean="0">
                 <a:solidFill>
                   <a:schemeClr val="bg1"/>
                 </a:solidFill>
                 <a:latin typeface="Meiryo" panose="020B0604030504040204" pitchFamily="34" charset="-128"/>
                 <a:cs typeface="Meiryo" panose="020B0604030504040204" pitchFamily="34" charset="-128"/>
               </a:rPr>
-              <a:t>라즈베리파이와</a:t>
-            </a:r>
-            <a:r>
-              <a:rPr lang="ko-KR" altLang="en-US" sz="2400" dirty="0" smtClean="0">
-                <a:solidFill>
-                  <a:schemeClr val="bg1"/>
-                </a:solidFill>
-                <a:latin typeface="Meiryo" panose="020B0604030504040204" pitchFamily="34" charset="-128"/>
-                <a:cs typeface="Meiryo" panose="020B0604030504040204" pitchFamily="34" charset="-128"/>
-              </a:rPr>
-              <a:t> </a:t>
-            </a:r>
-            <a:r>
-              <a:rPr lang="en-US" altLang="ko-KR" sz="2400" dirty="0" smtClean="0">
-                <a:solidFill>
-                  <a:schemeClr val="bg1"/>
-                </a:solidFill>
-                <a:latin typeface="Meiryo" panose="020B0604030504040204" pitchFamily="34" charset="-128"/>
-                <a:cs typeface="Meiryo" panose="020B0604030504040204" pitchFamily="34" charset="-128"/>
-              </a:rPr>
-              <a:t>SPI </a:t>
-            </a:r>
-            <a:r>
-              <a:rPr lang="ko-KR" altLang="en-US" sz="2400" dirty="0" smtClean="0">
-                <a:solidFill>
-                  <a:schemeClr val="bg1"/>
-                </a:solidFill>
-                <a:latin typeface="Meiryo" panose="020B0604030504040204" pitchFamily="34" charset="-128"/>
-                <a:cs typeface="Meiryo" panose="020B0604030504040204" pitchFamily="34" charset="-128"/>
-              </a:rPr>
-              <a:t>통신</a:t>
-            </a:r>
-            <a:endParaRPr lang="en-US" altLang="ko-KR" sz="2400" dirty="0" smtClean="0">
+              <a:t>메인바퀴</a:t>
+            </a:r>
+            <a:endParaRPr lang="en-US" altLang="ko-KR" sz="1600" dirty="0" smtClean="0">
               <a:solidFill>
                 <a:schemeClr val="bg1"/>
               </a:solidFill>
@@ -6377,7 +6971,7 @@
             </a:endParaRPr>
           </a:p>
           <a:p>
-            <a:endParaRPr lang="en-US" altLang="ko-KR" sz="2400" dirty="0">
+            <a:endParaRPr lang="en-US" altLang="ko-KR" sz="1600" dirty="0">
               <a:solidFill>
                 <a:schemeClr val="bg1"/>
               </a:solidFill>
@@ -6386,21 +6980,17 @@
             </a:endParaRPr>
           </a:p>
           <a:p>
-            <a:pPr marL="342900" indent="-342900">
-              <a:buFont typeface="Arial" panose="020B0604020202020204" pitchFamily="34" charset="0"/>
-              <a:buChar char="•"/>
-            </a:pPr>
-            <a:r>
-              <a:rPr lang="ko-KR" altLang="en-US" sz="2400" dirty="0" smtClean="0">
+            <a:r>
+              <a:rPr lang="ko-KR" altLang="en-US" sz="1600" dirty="0" err="1" smtClean="0">
                 <a:solidFill>
                   <a:schemeClr val="bg1"/>
                 </a:solidFill>
                 <a:latin typeface="Meiryo" panose="020B0604030504040204" pitchFamily="34" charset="-128"/>
                 <a:cs typeface="Meiryo" panose="020B0604030504040204" pitchFamily="34" charset="-128"/>
               </a:rPr>
-              <a:t>구체적인 인터페이스 구성</a:t>
-            </a:r>
-            <a:endParaRPr lang="en-US" altLang="ko-KR" sz="2400" dirty="0" smtClean="0">
+              <a:t>보조바퀴</a:t>
+            </a:r>
+            <a:endParaRPr lang="en-US" altLang="ko-KR" sz="1600" dirty="0" smtClean="0">
               <a:solidFill>
                 <a:schemeClr val="bg1"/>
               </a:solidFill>
@@ -6409,11 +6999,7 @@
             </a:endParaRPr>
           </a:p>
           <a:p>
-            <a:pPr marL="342900" indent="-342900">
-              <a:buFont typeface="Arial" panose="020B0604020202020204" pitchFamily="34" charset="0"/>
-              <a:buChar char="•"/>
-            </a:pPr>
-            <a:endParaRPr lang="en-US" altLang="ko-KR" sz="2400" dirty="0">
+            <a:endParaRPr lang="en-US" altLang="ko-KR" sz="1600" dirty="0">
               <a:solidFill>
                 <a:schemeClr val="bg1"/>
               </a:solidFill>
@@ -6422,21 +7008,27 @@
             </a:endParaRPr>
           </a:p>
           <a:p>
-            <a:pPr marL="342900" indent="-342900">
-              <a:buFont typeface="Arial" panose="020B0604020202020204" pitchFamily="34" charset="0"/>
-              <a:buChar char="•"/>
-            </a:pPr>
-            <a:r>
-              <a:rPr lang="ko-KR" altLang="en-US" sz="2400" dirty="0" smtClean="0">
+            <a:r>
+              <a:rPr lang="en-US" altLang="ko-KR" sz="1600" dirty="0" smtClean="0">
                 <a:solidFill>
                   <a:schemeClr val="bg1"/>
                 </a:solidFill>
                 <a:latin typeface="Meiryo" panose="020B0604030504040204" pitchFamily="34" charset="-128"/>
                 <a:cs typeface="Meiryo" panose="020B0604030504040204" pitchFamily="34" charset="-128"/>
               </a:rPr>
-              <a:t>잉크분사 시스템 구성</a:t>
-            </a:r>
-            <a:endParaRPr lang="en-US" altLang="ko-KR" sz="2400" dirty="0">
+              <a:t>IR</a:t>
+            </a:r>
+            <a:r>
+              <a:rPr lang="ko-KR" altLang="en-US" sz="1600" dirty="0" smtClean="0">
+                <a:solidFill>
+                  <a:schemeClr val="bg1"/>
+                </a:solidFill>
+                <a:latin typeface="Meiryo" panose="020B0604030504040204" pitchFamily="34" charset="-128"/>
+                <a:cs typeface="Meiryo" panose="020B0604030504040204" pitchFamily="34" charset="-128"/>
+              </a:rPr>
+              <a:t>온도센서</a:t>
+            </a:r>
+            <a:endParaRPr lang="en-US" altLang="ko-KR" sz="1600" dirty="0" smtClean="0">
               <a:solidFill>
                 <a:schemeClr val="bg1"/>
               </a:solidFill>
@@ -6444,12 +7036,311 @@
               <a:cs typeface="Meiryo" panose="020B0604030504040204" pitchFamily="34" charset="-128"/>
             </a:endParaRPr>
           </a:p>
+          <a:p>
+            <a:endParaRPr lang="en-US" altLang="ko-KR" sz="1600" dirty="0">
+              <a:solidFill>
+                <a:schemeClr val="bg1"/>
+              </a:solidFill>
+              <a:latin typeface="Meiryo" panose="020B0604030504040204" pitchFamily="34" charset="-128"/>
+              <a:cs typeface="Meiryo" panose="020B0604030504040204" pitchFamily="34" charset="-128"/>
+            </a:endParaRPr>
+          </a:p>
+          <a:p>
+            <a:r>
+              <a:rPr lang="ko-KR" altLang="en-US" sz="1600" dirty="0" err="1" smtClean="0">
+                <a:solidFill>
+                  <a:schemeClr val="bg1"/>
+                </a:solidFill>
+                <a:latin typeface="Meiryo" panose="020B0604030504040204" pitchFamily="34" charset="-128"/>
+                <a:cs typeface="Meiryo" panose="020B0604030504040204" pitchFamily="34" charset="-128"/>
+              </a:rPr>
+              <a:t>솔레노이드</a:t>
+            </a:r>
+            <a:r>
+              <a:rPr lang="ko-KR" altLang="en-US" sz="1600" dirty="0" smtClean="0">
+                <a:solidFill>
+                  <a:schemeClr val="bg1"/>
+                </a:solidFill>
+                <a:latin typeface="Meiryo" panose="020B0604030504040204" pitchFamily="34" charset="-128"/>
+                <a:cs typeface="Meiryo" panose="020B0604030504040204" pitchFamily="34" charset="-128"/>
+              </a:rPr>
+              <a:t> 밸브</a:t>
+            </a:r>
+            <a:endParaRPr lang="en-US" altLang="ko-KR" sz="1600" dirty="0" smtClean="0">
+              <a:solidFill>
+                <a:schemeClr val="bg1"/>
+              </a:solidFill>
+              <a:latin typeface="Meiryo" panose="020B0604030504040204" pitchFamily="34" charset="-128"/>
+              <a:cs typeface="Meiryo" panose="020B0604030504040204" pitchFamily="34" charset="-128"/>
+            </a:endParaRPr>
+          </a:p>
+          <a:p>
+            <a:endParaRPr lang="en-US" altLang="ko-KR" sz="1600" dirty="0">
+              <a:solidFill>
+                <a:schemeClr val="bg1"/>
+              </a:solidFill>
+              <a:latin typeface="Meiryo" panose="020B0604030504040204" pitchFamily="34" charset="-128"/>
+              <a:cs typeface="Meiryo" panose="020B0604030504040204" pitchFamily="34" charset="-128"/>
+            </a:endParaRPr>
+          </a:p>
+          <a:p>
+            <a:r>
+              <a:rPr lang="en-US" altLang="ko-KR" sz="1600" dirty="0" smtClean="0">
+                <a:solidFill>
+                  <a:schemeClr val="bg1"/>
+                </a:solidFill>
+                <a:latin typeface="Meiryo" panose="020B0604030504040204" pitchFamily="34" charset="-128"/>
+                <a:cs typeface="Meiryo" panose="020B0604030504040204" pitchFamily="34" charset="-128"/>
+              </a:rPr>
+              <a:t>GPS</a:t>
+            </a:r>
+          </a:p>
+          <a:p>
+            <a:endParaRPr lang="en-US" altLang="ko-KR" sz="1600" dirty="0">
+              <a:solidFill>
+                <a:schemeClr val="bg1"/>
+              </a:solidFill>
+              <a:latin typeface="Meiryo" panose="020B0604030504040204" pitchFamily="34" charset="-128"/>
+              <a:cs typeface="Meiryo" panose="020B0604030504040204" pitchFamily="34" charset="-128"/>
+            </a:endParaRPr>
+          </a:p>
         </p:txBody>
       </p:sp>
+      <p:cxnSp>
+        <p:nvCxnSpPr>
+          <p:cNvPr id="29" name="직선 화살표 연결선 28"/>
+          <p:cNvCxnSpPr/>
+          <p:nvPr/>
+        </p:nvCxnSpPr>
+        <p:spPr>
+          <a:xfrm>
+            <a:off x="6436022" y="2370729"/>
+            <a:ext cx="1901643" cy="580289"/>
+          </a:xfrm>
+          <a:prstGeom prst="straightConnector1">
+            <a:avLst/>
+          </a:prstGeom>
+          <a:ln>
+            <a:tailEnd type="triangle"/>
+          </a:ln>
+        </p:spPr>
+        <p:style>
+          <a:lnRef idx="1">
+            <a:schemeClr val="accent1"/>
+          </a:lnRef>
+          <a:fillRef idx="0">
+            <a:schemeClr val="accent1"/>
+          </a:fillRef>
+          <a:effectRef idx="0">
+            <a:schemeClr val="accent1"/>
+          </a:effectRef>
+          <a:fontRef idx="minor">
+            <a:schemeClr val="tx1"/>
+          </a:fontRef>
+        </p:style>
+      </p:cxnSp>
+      <p:cxnSp>
+        <p:nvCxnSpPr>
+          <p:cNvPr id="35" name="직선 화살표 연결선 34"/>
+          <p:cNvCxnSpPr/>
+          <p:nvPr/>
+        </p:nvCxnSpPr>
+        <p:spPr>
+          <a:xfrm>
+            <a:off x="6436022" y="2786684"/>
+            <a:ext cx="2514648" cy="588283"/>
+          </a:xfrm>
+          <a:prstGeom prst="straightConnector1">
+            <a:avLst/>
+          </a:prstGeom>
+          <a:ln>
+            <a:tailEnd type="triangle"/>
+          </a:ln>
+        </p:spPr>
+        <p:style>
+          <a:lnRef idx="1">
+            <a:schemeClr val="accent1"/>
+          </a:lnRef>
+          <a:fillRef idx="0">
+            <a:schemeClr val="accent1"/>
+          </a:fillRef>
+          <a:effectRef idx="0">
+            <a:schemeClr val="accent1"/>
+          </a:effectRef>
+          <a:fontRef idx="minor">
+            <a:schemeClr val="tx1"/>
+          </a:fontRef>
+        </p:style>
+      </p:cxnSp>
+      <p:cxnSp>
+        <p:nvCxnSpPr>
+          <p:cNvPr id="38" name="직선 화살표 연결선 37"/>
+          <p:cNvCxnSpPr/>
+          <p:nvPr/>
+        </p:nvCxnSpPr>
+        <p:spPr>
+          <a:xfrm flipH="1">
+            <a:off x="3890356" y="2786684"/>
+            <a:ext cx="1637608" cy="1477745"/>
+          </a:xfrm>
+          <a:prstGeom prst="straightConnector1">
+            <a:avLst/>
+          </a:prstGeom>
+          <a:ln>
+            <a:tailEnd type="triangle"/>
+          </a:ln>
+        </p:spPr>
+        <p:style>
+          <a:lnRef idx="1">
+            <a:schemeClr val="accent1"/>
+          </a:lnRef>
+          <a:fillRef idx="0">
+            <a:schemeClr val="accent1"/>
+          </a:fillRef>
+          <a:effectRef idx="0">
+            <a:schemeClr val="accent1"/>
+          </a:effectRef>
+          <a:fontRef idx="minor">
+            <a:schemeClr val="tx1"/>
+          </a:fontRef>
+        </p:style>
+      </p:cxnSp>
+      <p:cxnSp>
+        <p:nvCxnSpPr>
+          <p:cNvPr id="43" name="직선 화살표 연결선 42"/>
+          <p:cNvCxnSpPr/>
+          <p:nvPr/>
+        </p:nvCxnSpPr>
+        <p:spPr>
+          <a:xfrm flipH="1">
+            <a:off x="2785108" y="3300153"/>
+            <a:ext cx="2817670" cy="964276"/>
+          </a:xfrm>
+          <a:prstGeom prst="straightConnector1">
+            <a:avLst/>
+          </a:prstGeom>
+          <a:ln>
+            <a:tailEnd type="triangle"/>
+          </a:ln>
+        </p:spPr>
+        <p:style>
+          <a:lnRef idx="1">
+            <a:schemeClr val="accent1"/>
+          </a:lnRef>
+          <a:fillRef idx="0">
+            <a:schemeClr val="accent1"/>
+          </a:fillRef>
+          <a:effectRef idx="0">
+            <a:schemeClr val="accent1"/>
+          </a:effectRef>
+          <a:fontRef idx="minor">
+            <a:schemeClr val="tx1"/>
+          </a:fontRef>
+        </p:style>
+      </p:cxnSp>
+      <p:cxnSp>
+        <p:nvCxnSpPr>
+          <p:cNvPr id="45" name="직선 화살표 연결선 44"/>
+          <p:cNvCxnSpPr/>
+          <p:nvPr/>
+        </p:nvCxnSpPr>
+        <p:spPr>
+          <a:xfrm>
+            <a:off x="6794939" y="3300153"/>
+            <a:ext cx="3255148" cy="391771"/>
+          </a:xfrm>
+          <a:prstGeom prst="straightConnector1">
+            <a:avLst/>
+          </a:prstGeom>
+          <a:ln>
+            <a:tailEnd type="triangle"/>
+          </a:ln>
+        </p:spPr>
+        <p:style>
+          <a:lnRef idx="1">
+            <a:schemeClr val="accent1"/>
+          </a:lnRef>
+          <a:fillRef idx="0">
+            <a:schemeClr val="accent1"/>
+          </a:fillRef>
+          <a:effectRef idx="0">
+            <a:schemeClr val="accent1"/>
+          </a:effectRef>
+          <a:fontRef idx="minor">
+            <a:schemeClr val="tx1"/>
+          </a:fontRef>
+        </p:style>
+      </p:cxnSp>
+      <p:cxnSp>
+        <p:nvCxnSpPr>
+          <p:cNvPr id="49" name="직선 화살표 연결선 48"/>
+          <p:cNvCxnSpPr/>
+          <p:nvPr/>
+        </p:nvCxnSpPr>
+        <p:spPr>
+          <a:xfrm>
+            <a:off x="7344080" y="3815269"/>
+            <a:ext cx="2439834" cy="0"/>
+          </a:xfrm>
+          <a:prstGeom prst="straightConnector1">
+            <a:avLst/>
+          </a:prstGeom>
+          <a:ln>
+            <a:tailEnd type="triangle"/>
+          </a:ln>
+        </p:spPr>
+        <p:style>
+          <a:lnRef idx="1">
+            <a:schemeClr val="accent1"/>
+          </a:lnRef>
+          <a:fillRef idx="0">
+            <a:schemeClr val="accent1"/>
+          </a:fillRef>
+          <a:effectRef idx="0">
+            <a:schemeClr val="accent1"/>
+          </a:effectRef>
+          <a:fontRef idx="minor">
+            <a:schemeClr val="tx1"/>
+          </a:fontRef>
+        </p:style>
+      </p:cxnSp>
+      <p:cxnSp>
+        <p:nvCxnSpPr>
+          <p:cNvPr id="51" name="직선 화살표 연결선 50"/>
+          <p:cNvCxnSpPr/>
+          <p:nvPr/>
+        </p:nvCxnSpPr>
+        <p:spPr>
+          <a:xfrm flipH="1" flipV="1">
+            <a:off x="3616036" y="3059084"/>
+            <a:ext cx="1986742" cy="1205345"/>
+          </a:xfrm>
+          <a:prstGeom prst="straightConnector1">
+            <a:avLst/>
+          </a:prstGeom>
+          <a:ln>
+            <a:tailEnd type="triangle"/>
+          </a:ln>
+        </p:spPr>
+        <p:style>
+          <a:lnRef idx="1">
+            <a:schemeClr val="accent1"/>
+          </a:lnRef>
+          <a:fillRef idx="0">
+            <a:schemeClr val="accent1"/>
+          </a:fillRef>
+          <a:effectRef idx="0">
+            <a:schemeClr val="accent1"/>
+          </a:effectRef>
+          <a:fontRef idx="minor">
+            <a:schemeClr val="tx1"/>
+          </a:fontRef>
+        </p:style>
+      </p:cxnSp>
     </p:spTree>
     <p:extLst>
       <p:ext uri="{BB962C8B-B14F-4D97-AF65-F5344CB8AC3E}">
-        <p14:creationId xmlns:p14="http://schemas.microsoft.com/office/powerpoint/2010/main" val="1435745125"/>
+        <p14:creationId xmlns:p14="http://schemas.microsoft.com/office/powerpoint/2010/main" val="827075723"/>
       </p:ext>
     </p:extLst>
   </p:cSld>
@@ -6466,7 +7357,7 @@
 </p:sld>
 </file>
 
-<file path=ppt/slides/slide14.xml><?xml version="1.0" encoding="utf-8"?>
+<file path=ppt/slides/slide15.xml><?xml version="1.0" encoding="utf-8"?>
 <p:sld xmlns:a="http://schemas.openxmlformats.org/drawingml/2006/main" xmlns:r="http://schemas.openxmlformats.org/officeDocument/2006/relationships" xmlns:p="http://schemas.openxmlformats.org/presentationml/2006/main">
   <p:cSld>
     <p:bg>
@@ -6707,7 +7598,7 @@
         <p:spPr>
           <a:xfrm>
             <a:off x="888557" y="265928"/>
-            <a:ext cx="1580882" cy="523220"/>
+            <a:ext cx="1463862" cy="523220"/>
           </a:xfrm>
           <a:prstGeom prst="rect">
             <a:avLst/>
@@ -6728,7 +7619,7 @@
                 <a:latin typeface="KoPub돋움체 Light" panose="02020603020101020101" pitchFamily="18" charset="-127"/>
                 <a:ea typeface="KoPub돋움체 Light" panose="02020603020101020101" pitchFamily="18" charset="-127"/>
               </a:rPr>
-              <a:t>작품 설명</a:t>
+              <a:t>기대효과</a:t>
             </a:r>
             <a:endParaRPr lang="ko-KR" altLang="en-US" sz="2800" dirty="0">
               <a:solidFill>
@@ -6740,88 +7631,16 @@
           </a:p>
         </p:txBody>
       </p:sp>
-      <p:pic>
-        <p:nvPicPr>
-          <p:cNvPr id="3" name="그림 2"/>
-          <p:cNvPicPr>
-            <a:picLocks noChangeAspect="1"/>
-          </p:cNvPicPr>
-          <p:nvPr/>
-        </p:nvPicPr>
-        <p:blipFill>
-          <a:blip r:embed="rId2"/>
-          <a:stretch>
-            <a:fillRect/>
-          </a:stretch>
-        </p:blipFill>
-        <p:spPr>
-          <a:xfrm>
-            <a:off x="1209399" y="2171412"/>
-            <a:ext cx="2457450" cy="2867025"/>
-          </a:xfrm>
-          <a:prstGeom prst="rect">
-            <a:avLst/>
-          </a:prstGeom>
-        </p:spPr>
-      </p:pic>
-      <p:pic>
-        <p:nvPicPr>
-          <p:cNvPr id="4" name="그림 3"/>
-          <p:cNvPicPr>
-            <a:picLocks noChangeAspect="1"/>
-          </p:cNvPicPr>
-          <p:nvPr/>
-        </p:nvPicPr>
-        <p:blipFill>
-          <a:blip r:embed="rId3"/>
-          <a:stretch>
-            <a:fillRect/>
-          </a:stretch>
-        </p:blipFill>
-        <p:spPr>
-          <a:xfrm>
-            <a:off x="4675134" y="2160903"/>
-            <a:ext cx="2865376" cy="2867024"/>
-          </a:xfrm>
-          <a:prstGeom prst="rect">
-            <a:avLst/>
-          </a:prstGeom>
-        </p:spPr>
-      </p:pic>
-      <p:pic>
-        <p:nvPicPr>
-          <p:cNvPr id="7" name="그림 6"/>
-          <p:cNvPicPr>
-            <a:picLocks noChangeAspect="1"/>
-          </p:cNvPicPr>
-          <p:nvPr/>
-        </p:nvPicPr>
-        <p:blipFill>
-          <a:blip r:embed="rId4"/>
-          <a:stretch>
-            <a:fillRect/>
-          </a:stretch>
-        </p:blipFill>
-        <p:spPr>
-          <a:xfrm>
-            <a:off x="8549571" y="2151357"/>
-            <a:ext cx="2840324" cy="2867025"/>
-          </a:xfrm>
-          <a:prstGeom prst="rect">
-            <a:avLst/>
-          </a:prstGeom>
-        </p:spPr>
-      </p:pic>
       <p:sp>
         <p:nvSpPr>
-          <p:cNvPr id="303" name="TextBox 302"/>
+          <p:cNvPr id="12" name="TextBox 11"/>
           <p:cNvSpPr txBox="1"/>
           <p:nvPr/>
         </p:nvSpPr>
         <p:spPr>
           <a:xfrm>
-            <a:off x="1209399" y="1321005"/>
-            <a:ext cx="5272274" cy="415498"/>
+            <a:off x="888557" y="2245153"/>
+            <a:ext cx="7379368" cy="2677656"/>
           </a:xfrm>
           <a:prstGeom prst="rect">
             <a:avLst/>
@@ -6834,524 +7653,19 @@
           </a:bodyPr>
           <a:lstStyle/>
           <a:p>
-            <a:r>
-              <a:rPr lang="ko-KR" altLang="en-US" sz="2100" dirty="0" smtClean="0">
-                <a:solidFill>
-                  <a:schemeClr val="bg1"/>
-                </a:solidFill>
-                <a:latin typeface="Meiryo" panose="020B0604030504040204" pitchFamily="34" charset="-128"/>
-                <a:cs typeface="Meiryo" panose="020B0604030504040204" pitchFamily="34" charset="-128"/>
-              </a:rPr>
-              <a:t>모델링 및 부품 설명</a:t>
-            </a:r>
-            <a:r>
-              <a:rPr lang="en-US" altLang="ko-KR" sz="2100" dirty="0" smtClean="0">
-                <a:latin typeface="Meiryo" panose="020B0604030504040204" pitchFamily="34" charset="-128"/>
-                <a:ea typeface="Meiryo" panose="020B0604030504040204" pitchFamily="34" charset="-128"/>
-                <a:cs typeface="Meiryo" panose="020B0604030504040204" pitchFamily="34" charset="-128"/>
-              </a:rPr>
-              <a:t>&gt;</a:t>
-            </a:r>
-            <a:endParaRPr lang="ko-KR" altLang="en-US" sz="2100" dirty="0">
-              <a:latin typeface="Meiryo" panose="020B0604030504040204" pitchFamily="34" charset="-128"/>
-              <a:cs typeface="Meiryo" panose="020B0604030504040204" pitchFamily="34" charset="-128"/>
-            </a:endParaRPr>
-          </a:p>
-        </p:txBody>
-      </p:sp>
-      <p:sp>
-        <p:nvSpPr>
-          <p:cNvPr id="304" name="TextBox 303"/>
-          <p:cNvSpPr txBox="1"/>
-          <p:nvPr/>
-        </p:nvSpPr>
-        <p:spPr>
-          <a:xfrm>
-            <a:off x="1486739" y="5595428"/>
-            <a:ext cx="1902769" cy="415498"/>
-          </a:xfrm>
-          <a:prstGeom prst="rect">
-            <a:avLst/>
-          </a:prstGeom>
-          <a:noFill/>
-        </p:spPr>
-        <p:txBody>
-          <a:bodyPr wrap="square" rtlCol="0">
-            <a:spAutoFit/>
-          </a:bodyPr>
-          <a:lstStyle/>
-          <a:p>
-            <a:r>
-              <a:rPr lang="ko-KR" altLang="en-US" sz="2100" dirty="0" smtClean="0">
-                <a:solidFill>
-                  <a:schemeClr val="bg1"/>
-                </a:solidFill>
-                <a:latin typeface="Meiryo" panose="020B0604030504040204" pitchFamily="34" charset="-128"/>
-                <a:cs typeface="Meiryo" panose="020B0604030504040204" pitchFamily="34" charset="-128"/>
-              </a:rPr>
-              <a:t>조절장치 박스</a:t>
-            </a:r>
-            <a:endParaRPr lang="ko-KR" altLang="en-US" sz="2100" dirty="0">
-              <a:solidFill>
-                <a:schemeClr val="bg1"/>
-              </a:solidFill>
-              <a:latin typeface="Meiryo" panose="020B0604030504040204" pitchFamily="34" charset="-128"/>
-              <a:cs typeface="Meiryo" panose="020B0604030504040204" pitchFamily="34" charset="-128"/>
-            </a:endParaRPr>
-          </a:p>
-        </p:txBody>
-      </p:sp>
-      <p:sp>
-        <p:nvSpPr>
-          <p:cNvPr id="307" name="TextBox 306"/>
-          <p:cNvSpPr txBox="1"/>
-          <p:nvPr/>
-        </p:nvSpPr>
-        <p:spPr>
-          <a:xfrm>
-            <a:off x="8847156" y="5563899"/>
-            <a:ext cx="2245153" cy="415498"/>
-          </a:xfrm>
-          <a:prstGeom prst="rect">
-            <a:avLst/>
-          </a:prstGeom>
-          <a:noFill/>
-        </p:spPr>
-        <p:txBody>
-          <a:bodyPr wrap="square" rtlCol="0">
-            <a:spAutoFit/>
-          </a:bodyPr>
-          <a:lstStyle/>
-          <a:p>
-            <a:r>
-              <a:rPr lang="ko-KR" altLang="en-US" sz="2100" dirty="0" err="1" smtClean="0">
-                <a:solidFill>
-                  <a:schemeClr val="bg1"/>
-                </a:solidFill>
-                <a:latin typeface="Meiryo" panose="020B0604030504040204" pitchFamily="34" charset="-128"/>
-                <a:cs typeface="Meiryo" panose="020B0604030504040204" pitchFamily="34" charset="-128"/>
-              </a:rPr>
-              <a:t>솔레노이드</a:t>
-            </a:r>
-            <a:r>
-              <a:rPr lang="ko-KR" altLang="en-US" sz="2100" dirty="0">
-                <a:solidFill>
-                  <a:schemeClr val="bg1"/>
-                </a:solidFill>
-                <a:latin typeface="Meiryo" panose="020B0604030504040204" pitchFamily="34" charset="-128"/>
-                <a:cs typeface="Meiryo" panose="020B0604030504040204" pitchFamily="34" charset="-128"/>
-              </a:rPr>
-              <a:t> </a:t>
-            </a:r>
-            <a:r>
-              <a:rPr lang="ko-KR" altLang="en-US" sz="2100" dirty="0" smtClean="0">
-                <a:solidFill>
-                  <a:schemeClr val="bg1"/>
-                </a:solidFill>
-                <a:latin typeface="Meiryo" panose="020B0604030504040204" pitchFamily="34" charset="-128"/>
-                <a:cs typeface="Meiryo" panose="020B0604030504040204" pitchFamily="34" charset="-128"/>
-              </a:rPr>
-              <a:t>밸브</a:t>
-            </a:r>
-            <a:endParaRPr lang="ko-KR" altLang="en-US" sz="2100" dirty="0">
-              <a:solidFill>
-                <a:schemeClr val="bg1"/>
-              </a:solidFill>
-              <a:latin typeface="Meiryo" panose="020B0604030504040204" pitchFamily="34" charset="-128"/>
-              <a:cs typeface="Meiryo" panose="020B0604030504040204" pitchFamily="34" charset="-128"/>
-            </a:endParaRPr>
-          </a:p>
-        </p:txBody>
-      </p:sp>
-      <p:sp>
-        <p:nvSpPr>
-          <p:cNvPr id="308" name="TextBox 307"/>
-          <p:cNvSpPr txBox="1"/>
-          <p:nvPr/>
-        </p:nvSpPr>
-        <p:spPr>
-          <a:xfrm>
-            <a:off x="5299275" y="5595428"/>
-            <a:ext cx="1638114" cy="415498"/>
-          </a:xfrm>
-          <a:prstGeom prst="rect">
-            <a:avLst/>
-          </a:prstGeom>
-          <a:noFill/>
-        </p:spPr>
-        <p:txBody>
-          <a:bodyPr wrap="square" rtlCol="0">
-            <a:spAutoFit/>
-          </a:bodyPr>
-          <a:lstStyle/>
-          <a:p>
-            <a:r>
-              <a:rPr lang="ko-KR" altLang="en-US" sz="2100" smtClean="0">
-                <a:solidFill>
-                  <a:schemeClr val="bg1"/>
-                </a:solidFill>
-                <a:latin typeface="Meiryo" panose="020B0604030504040204" pitchFamily="34" charset="-128"/>
-                <a:cs typeface="Meiryo" panose="020B0604030504040204" pitchFamily="34" charset="-128"/>
-              </a:rPr>
-              <a:t>조절장치 바</a:t>
-            </a:r>
-            <a:endParaRPr lang="ko-KR" altLang="en-US" sz="2100" dirty="0">
-              <a:solidFill>
-                <a:schemeClr val="bg1"/>
-              </a:solidFill>
-              <a:latin typeface="Meiryo" panose="020B0604030504040204" pitchFamily="34" charset="-128"/>
-              <a:cs typeface="Meiryo" panose="020B0604030504040204" pitchFamily="34" charset="-128"/>
-            </a:endParaRPr>
-          </a:p>
-        </p:txBody>
-      </p:sp>
-    </p:spTree>
-    <p:extLst>
-      <p:ext uri="{BB962C8B-B14F-4D97-AF65-F5344CB8AC3E}">
-        <p14:creationId xmlns:p14="http://schemas.microsoft.com/office/powerpoint/2010/main" val="827075723"/>
-      </p:ext>
-    </p:extLst>
-  </p:cSld>
-  <p:clrMapOvr>
-    <a:masterClrMapping/>
-  </p:clrMapOvr>
-  <p:timing>
-    <p:tnLst>
-      <p:par>
-        <p:cTn id="1" dur="indefinite" restart="never" nodeType="tmRoot"/>
-      </p:par>
-    </p:tnLst>
-  </p:timing>
-</p:sld>
-</file>
-
-<file path=ppt/slides/slide15.xml><?xml version="1.0" encoding="utf-8"?>
-<p:sld xmlns:a="http://schemas.openxmlformats.org/drawingml/2006/main" xmlns:r="http://schemas.openxmlformats.org/officeDocument/2006/relationships" xmlns:p="http://schemas.openxmlformats.org/presentationml/2006/main">
-  <p:cSld>
-    <p:bg>
-      <p:bgPr>
-        <a:solidFill>
-          <a:srgbClr val="222222"/>
-        </a:solidFill>
-        <a:effectLst/>
-      </p:bgPr>
-    </p:bg>
-    <p:spTree>
-      <p:nvGrpSpPr>
-        <p:cNvPr id="1" name=""/>
-        <p:cNvGrpSpPr/>
-        <p:nvPr/>
-      </p:nvGrpSpPr>
-      <p:grpSpPr>
-        <a:xfrm>
-          <a:off x="0" y="0"/>
-          <a:ext cx="0" cy="0"/>
-          <a:chOff x="0" y="0"/>
-          <a:chExt cx="0" cy="0"/>
-        </a:xfrm>
-      </p:grpSpPr>
-      <p:sp>
-        <p:nvSpPr>
-          <p:cNvPr id="2240" name="이등변 삼각형 2239"/>
-          <p:cNvSpPr/>
-          <p:nvPr/>
-        </p:nvSpPr>
-        <p:spPr>
-          <a:xfrm>
-            <a:off x="6011148" y="100484"/>
-            <a:ext cx="1203569" cy="954593"/>
-          </a:xfrm>
-          <a:prstGeom prst="triangle">
-            <a:avLst/>
-          </a:prstGeom>
-          <a:solidFill>
-            <a:srgbClr val="222222"/>
-          </a:solidFill>
-          <a:ln>
-            <a:noFill/>
-          </a:ln>
-          <a:effectLst>
-            <a:outerShdw blurRad="50800" dist="38100" dir="18900000" algn="bl" rotWithShape="0">
-              <a:prstClr val="black">
-                <a:alpha val="40000"/>
-              </a:prstClr>
-            </a:outerShdw>
-          </a:effectLst>
-        </p:spPr>
-        <p:style>
-          <a:lnRef idx="2">
-            <a:schemeClr val="accent1">
-              <a:shade val="50000"/>
-            </a:schemeClr>
-          </a:lnRef>
-          <a:fillRef idx="1">
-            <a:schemeClr val="accent1"/>
-          </a:fillRef>
-          <a:effectRef idx="0">
-            <a:schemeClr val="accent1"/>
-          </a:effectRef>
-          <a:fontRef idx="minor">
-            <a:schemeClr val="lt1"/>
-          </a:fontRef>
-        </p:style>
-        <p:txBody>
-          <a:bodyPr rtlCol="0" anchor="ctr"/>
-          <a:lstStyle/>
-          <a:p>
-            <a:pPr algn="ctr"/>
-            <a:endParaRPr lang="ko-KR" altLang="en-US">
-              <a:solidFill>
-                <a:prstClr val="white"/>
-              </a:solidFill>
-            </a:endParaRPr>
-          </a:p>
-        </p:txBody>
-      </p:sp>
-      <p:sp>
-        <p:nvSpPr>
-          <p:cNvPr id="1302" name="자유형 1301"/>
-          <p:cNvSpPr/>
-          <p:nvPr/>
-        </p:nvSpPr>
-        <p:spPr>
-          <a:xfrm>
-            <a:off x="0" y="0"/>
-            <a:ext cx="6794939" cy="1055077"/>
-          </a:xfrm>
-          <a:custGeom>
-            <a:avLst/>
-            <a:gdLst>
-              <a:gd name="connsiteX0" fmla="*/ 0 w 6794939"/>
-              <a:gd name="connsiteY0" fmla="*/ 0 h 1198179"/>
-              <a:gd name="connsiteX1" fmla="*/ 299546 w 6794939"/>
-              <a:gd name="connsiteY1" fmla="*/ 0 h 1198179"/>
-              <a:gd name="connsiteX2" fmla="*/ 1418897 w 6794939"/>
-              <a:gd name="connsiteY2" fmla="*/ 0 h 1198179"/>
-              <a:gd name="connsiteX3" fmla="*/ 6794939 w 6794939"/>
-              <a:gd name="connsiteY3" fmla="*/ 0 h 1198179"/>
-              <a:gd name="connsiteX4" fmla="*/ 6495394 w 6794939"/>
-              <a:gd name="connsiteY4" fmla="*/ 1198179 h 1198179"/>
-              <a:gd name="connsiteX5" fmla="*/ 1418897 w 6794939"/>
-              <a:gd name="connsiteY5" fmla="*/ 1198179 h 1198179"/>
-              <a:gd name="connsiteX6" fmla="*/ 1 w 6794939"/>
-              <a:gd name="connsiteY6" fmla="*/ 1198179 h 1198179"/>
-              <a:gd name="connsiteX7" fmla="*/ 0 w 6794939"/>
-              <a:gd name="connsiteY7" fmla="*/ 1198179 h 1198179"/>
-              <a:gd name="connsiteX0" fmla="*/ 0 w 6794939"/>
-              <a:gd name="connsiteY0" fmla="*/ 0 h 1213945"/>
-              <a:gd name="connsiteX1" fmla="*/ 299546 w 6794939"/>
-              <a:gd name="connsiteY1" fmla="*/ 0 h 1213945"/>
-              <a:gd name="connsiteX2" fmla="*/ 1418897 w 6794939"/>
-              <a:gd name="connsiteY2" fmla="*/ 0 h 1213945"/>
-              <a:gd name="connsiteX3" fmla="*/ 6794939 w 6794939"/>
-              <a:gd name="connsiteY3" fmla="*/ 0 h 1213945"/>
-              <a:gd name="connsiteX4" fmla="*/ 5990898 w 6794939"/>
-              <a:gd name="connsiteY4" fmla="*/ 1213945 h 1213945"/>
-              <a:gd name="connsiteX5" fmla="*/ 1418897 w 6794939"/>
-              <a:gd name="connsiteY5" fmla="*/ 1198179 h 1213945"/>
-              <a:gd name="connsiteX6" fmla="*/ 1 w 6794939"/>
-              <a:gd name="connsiteY6" fmla="*/ 1198179 h 1213945"/>
-              <a:gd name="connsiteX7" fmla="*/ 0 w 6794939"/>
-              <a:gd name="connsiteY7" fmla="*/ 1198179 h 1213945"/>
-              <a:gd name="connsiteX8" fmla="*/ 0 w 6794939"/>
-              <a:gd name="connsiteY8" fmla="*/ 0 h 1213945"/>
-            </a:gdLst>
-            <a:ahLst/>
-            <a:cxnLst>
-              <a:cxn ang="0">
-                <a:pos x="connsiteX0" y="connsiteY0"/>
-              </a:cxn>
-              <a:cxn ang="0">
-                <a:pos x="connsiteX1" y="connsiteY1"/>
-              </a:cxn>
-              <a:cxn ang="0">
-                <a:pos x="connsiteX2" y="connsiteY2"/>
-              </a:cxn>
-              <a:cxn ang="0">
-                <a:pos x="connsiteX3" y="connsiteY3"/>
-              </a:cxn>
-              <a:cxn ang="0">
-                <a:pos x="connsiteX4" y="connsiteY4"/>
-              </a:cxn>
-              <a:cxn ang="0">
-                <a:pos x="connsiteX5" y="connsiteY5"/>
-              </a:cxn>
-              <a:cxn ang="0">
-                <a:pos x="connsiteX6" y="connsiteY6"/>
-              </a:cxn>
-              <a:cxn ang="0">
-                <a:pos x="connsiteX7" y="connsiteY7"/>
-              </a:cxn>
-              <a:cxn ang="0">
-                <a:pos x="connsiteX8" y="connsiteY8"/>
-              </a:cxn>
-            </a:cxnLst>
-            <a:rect l="l" t="t" r="r" b="b"/>
-            <a:pathLst>
-              <a:path w="6794939" h="1213945">
-                <a:moveTo>
-                  <a:pt x="0" y="0"/>
-                </a:moveTo>
-                <a:lnTo>
-                  <a:pt x="299546" y="0"/>
-                </a:lnTo>
-                <a:lnTo>
-                  <a:pt x="1418897" y="0"/>
-                </a:lnTo>
-                <a:lnTo>
-                  <a:pt x="6794939" y="0"/>
-                </a:lnTo>
-                <a:lnTo>
-                  <a:pt x="5990898" y="1213945"/>
-                </a:lnTo>
-                <a:lnTo>
-                  <a:pt x="1418897" y="1198179"/>
-                </a:lnTo>
-                <a:lnTo>
-                  <a:pt x="1" y="1198179"/>
-                </a:lnTo>
-                <a:lnTo>
-                  <a:pt x="0" y="1198179"/>
-                </a:lnTo>
-                <a:lnTo>
-                  <a:pt x="0" y="0"/>
-                </a:lnTo>
-                <a:close/>
-              </a:path>
-            </a:pathLst>
-          </a:custGeom>
-          <a:solidFill>
-            <a:schemeClr val="accent1">
-              <a:lumMod val="50000"/>
-            </a:schemeClr>
-          </a:solidFill>
-          <a:ln>
-            <a:noFill/>
-          </a:ln>
-          <a:effectLst>
-            <a:outerShdw blurRad="50800" dist="38100" dir="2700000" algn="tl" rotWithShape="0">
-              <a:prstClr val="black">
-                <a:alpha val="40000"/>
-              </a:prstClr>
-            </a:outerShdw>
-          </a:effectLst>
-        </p:spPr>
-        <p:style>
-          <a:lnRef idx="2">
-            <a:schemeClr val="accent1">
-              <a:shade val="50000"/>
-            </a:schemeClr>
-          </a:lnRef>
-          <a:fillRef idx="1">
-            <a:schemeClr val="accent1"/>
-          </a:fillRef>
-          <a:effectRef idx="0">
-            <a:schemeClr val="accent1"/>
-          </a:effectRef>
-          <a:fontRef idx="minor">
-            <a:schemeClr val="lt1"/>
-          </a:fontRef>
-        </p:style>
-        <p:txBody>
-          <a:bodyPr rtlCol="0" anchor="ctr"/>
-          <a:lstStyle/>
-          <a:p>
-            <a:pPr algn="ctr"/>
-            <a:endParaRPr lang="ko-KR" altLang="en-US">
-              <a:solidFill>
-                <a:prstClr val="white"/>
-              </a:solidFill>
-            </a:endParaRPr>
-          </a:p>
-        </p:txBody>
-      </p:sp>
-      <p:sp>
-        <p:nvSpPr>
-          <p:cNvPr id="26" name="TextBox 25"/>
-          <p:cNvSpPr txBox="1"/>
-          <p:nvPr/>
-        </p:nvSpPr>
-        <p:spPr>
-          <a:xfrm>
-            <a:off x="888557" y="265928"/>
-            <a:ext cx="1741182" cy="523220"/>
-          </a:xfrm>
-          <a:prstGeom prst="rect">
-            <a:avLst/>
-          </a:prstGeom>
-          <a:noFill/>
-        </p:spPr>
-        <p:txBody>
-          <a:bodyPr wrap="none" rtlCol="0">
-            <a:spAutoFit/>
-          </a:bodyPr>
-          <a:lstStyle/>
-          <a:p>
-            <a:r>
-              <a:rPr lang="ko-KR" altLang="en-US" sz="2800" dirty="0" smtClean="0">
-                <a:solidFill>
-                  <a:prstClr val="white"/>
-                </a:solidFill>
-                <a:latin typeface="KoPub돋움체 Light" panose="02020603020101020101" pitchFamily="18" charset="-127"/>
-                <a:ea typeface="KoPub돋움체 Light" panose="02020603020101020101" pitchFamily="18" charset="-127"/>
-              </a:rPr>
-              <a:t>남은 과제</a:t>
-            </a:r>
-            <a:endParaRPr lang="ko-KR" altLang="en-US" sz="2800" dirty="0">
-              <a:solidFill>
-                <a:prstClr val="white"/>
-              </a:solidFill>
-              <a:latin typeface="KoPub돋움체 Light" panose="02020603020101020101" pitchFamily="18" charset="-127"/>
-              <a:ea typeface="KoPub돋움체 Light" panose="02020603020101020101" pitchFamily="18" charset="-127"/>
-            </a:endParaRPr>
-          </a:p>
-        </p:txBody>
-      </p:sp>
-      <p:sp>
-        <p:nvSpPr>
-          <p:cNvPr id="9" name="TextBox 8"/>
-          <p:cNvSpPr txBox="1"/>
-          <p:nvPr/>
-        </p:nvSpPr>
-        <p:spPr>
-          <a:xfrm>
-            <a:off x="361487" y="1509429"/>
-            <a:ext cx="7379368" cy="1938992"/>
-          </a:xfrm>
-          <a:prstGeom prst="rect">
-            <a:avLst/>
-          </a:prstGeom>
-          <a:noFill/>
-        </p:spPr>
-        <p:txBody>
-          <a:bodyPr wrap="square" rtlCol="0">
-            <a:spAutoFit/>
-          </a:bodyPr>
-          <a:lstStyle/>
-          <a:p>
             <a:pPr marL="342900" indent="-342900">
               <a:buFont typeface="Arial" panose="020B0604020202020204" pitchFamily="34" charset="0"/>
               <a:buChar char="•"/>
             </a:pPr>
             <a:r>
-              <a:rPr lang="ko-KR" altLang="en-US" sz="2400" dirty="0" err="1" smtClean="0">
+              <a:rPr lang="ko-KR" altLang="en-US" sz="2400" dirty="0" smtClean="0">
                 <a:solidFill>
                   <a:schemeClr val="bg1"/>
                 </a:solidFill>
                 <a:latin typeface="Meiryo" panose="020B0604030504040204" pitchFamily="34" charset="-128"/>
                 <a:cs typeface="Meiryo" panose="020B0604030504040204" pitchFamily="34" charset="-128"/>
               </a:rPr>
-              <a:t>하우징</a:t>
-            </a:r>
-            <a:r>
-              <a:rPr lang="ko-KR" altLang="en-US" sz="2400" dirty="0" smtClean="0">
-                <a:solidFill>
-                  <a:schemeClr val="bg1"/>
-                </a:solidFill>
-                <a:latin typeface="Meiryo" panose="020B0604030504040204" pitchFamily="34" charset="-128"/>
-                <a:cs typeface="Meiryo" panose="020B0604030504040204" pitchFamily="34" charset="-128"/>
-              </a:rPr>
-              <a:t> 디자인 재구성</a:t>
+              <a:t>온도 데이터 저장 및 관리 가능</a:t>
             </a:r>
             <a:endParaRPr lang="en-US" altLang="ko-KR" sz="2400" dirty="0" smtClean="0">
               <a:solidFill>
@@ -7380,24 +7694,14 @@
               <a:buChar char="•"/>
             </a:pPr>
             <a:r>
-              <a:rPr lang="ko-KR" altLang="en-US" sz="2400" dirty="0" err="1" smtClean="0">
+              <a:rPr lang="ko-KR" altLang="en-US" sz="2400" dirty="0" smtClean="0">
                 <a:solidFill>
                   <a:schemeClr val="bg1"/>
                 </a:solidFill>
                 <a:latin typeface="Meiryo" panose="020B0604030504040204" pitchFamily="34" charset="-128"/>
                 <a:cs typeface="Meiryo" panose="020B0604030504040204" pitchFamily="34" charset="-128"/>
               </a:rPr>
-              <a:t>하우징</a:t>
-            </a:r>
-            <a:r>
-              <a:rPr lang="ko-KR" altLang="en-US" sz="2400" dirty="0" smtClean="0">
-                <a:solidFill>
-                  <a:schemeClr val="bg1"/>
-                </a:solidFill>
-                <a:latin typeface="Meiryo" panose="020B0604030504040204" pitchFamily="34" charset="-128"/>
-                <a:cs typeface="Meiryo" panose="020B0604030504040204" pitchFamily="34" charset="-128"/>
-              </a:rPr>
-              <a:t> 외주 업체 선정 및 발주 신청</a:t>
+              <a:t>정밀 측정 기기에 사용 되는 시간과 인력 감소</a:t>
             </a:r>
             <a:endParaRPr lang="en-US" altLang="ko-KR" sz="2400" dirty="0" smtClean="0">
               <a:solidFill>
@@ -7412,6 +7716,29 @@
               <a:buFont typeface="Arial" panose="020B0604020202020204" pitchFamily="34" charset="0"/>
               <a:buChar char="•"/>
             </a:pPr>
+            <a:endParaRPr lang="en-US" altLang="ko-KR" sz="2400" dirty="0">
+              <a:solidFill>
+                <a:schemeClr val="bg1"/>
+              </a:solidFill>
+              <a:latin typeface="Meiryo" panose="020B0604030504040204" pitchFamily="34" charset="-128"/>
+              <a:cs typeface="Meiryo" panose="020B0604030504040204" pitchFamily="34" charset="-128"/>
+            </a:endParaRPr>
+          </a:p>
+          <a:p>
+            <a:pPr marL="342900" indent="-342900">
+              <a:buFont typeface="Arial" panose="020B0604020202020204" pitchFamily="34" charset="0"/>
+              <a:buChar char="•"/>
+            </a:pPr>
+            <a:r>
+              <a:rPr lang="ko-KR" altLang="en-US" sz="2400" dirty="0" smtClean="0">
+                <a:solidFill>
+                  <a:schemeClr val="bg1"/>
+                </a:solidFill>
+                <a:latin typeface="Meiryo" panose="020B0604030504040204" pitchFamily="34" charset="-128"/>
+                <a:cs typeface="Meiryo" panose="020B0604030504040204" pitchFamily="34" charset="-128"/>
+              </a:rPr>
+              <a:t>연속적인 온도 측정 </a:t>
+            </a:r>
             <a:endParaRPr lang="en-US" altLang="ko-KR" sz="2400" dirty="0" smtClean="0">
               <a:solidFill>
                 <a:schemeClr val="bg1"/>
@@ -7425,36 +7752,6 @@
               <a:buFont typeface="Arial" panose="020B0604020202020204" pitchFamily="34" charset="0"/>
               <a:buChar char="•"/>
             </a:pPr>
-            <a:r>
-              <a:rPr lang="ko-KR" altLang="en-US" sz="2400" dirty="0" smtClean="0">
-                <a:solidFill>
-                  <a:schemeClr val="bg1"/>
-                </a:solidFill>
-                <a:latin typeface="Meiryo" panose="020B0604030504040204" pitchFamily="34" charset="-128"/>
-                <a:cs typeface="Meiryo" panose="020B0604030504040204" pitchFamily="34" charset="-128"/>
-              </a:rPr>
-              <a:t>하드웨어 제단</a:t>
-            </a:r>
-            <a:r>
-              <a:rPr lang="en-US" altLang="ko-KR" sz="2400" dirty="0" smtClean="0">
-                <a:solidFill>
-                  <a:schemeClr val="bg1"/>
-                </a:solidFill>
-                <a:latin typeface="Meiryo" panose="020B0604030504040204" pitchFamily="34" charset="-128"/>
-                <a:cs typeface="Meiryo" panose="020B0604030504040204" pitchFamily="34" charset="-128"/>
-              </a:rPr>
-              <a:t>, </a:t>
-            </a:r>
-            <a:r>
-              <a:rPr lang="ko-KR" altLang="en-US" sz="2400" dirty="0" smtClean="0">
-                <a:solidFill>
-                  <a:schemeClr val="bg1"/>
-                </a:solidFill>
-                <a:latin typeface="Meiryo" panose="020B0604030504040204" pitchFamily="34" charset="-128"/>
-                <a:cs typeface="Meiryo" panose="020B0604030504040204" pitchFamily="34" charset="-128"/>
-              </a:rPr>
-              <a:t>조립</a:t>
-            </a:r>
             <a:endParaRPr lang="en-US" altLang="ko-KR" sz="2400" dirty="0">
               <a:solidFill>
                 <a:schemeClr val="bg1"/>
@@ -7463,12 +7760,35 @@
               <a:cs typeface="Meiryo" panose="020B0604030504040204" pitchFamily="34" charset="-128"/>
             </a:endParaRPr>
           </a:p>
+          <a:p>
+            <a:pPr marL="342900" indent="-342900">
+              <a:buFont typeface="Arial" panose="020B0604020202020204" pitchFamily="34" charset="0"/>
+              <a:buChar char="•"/>
+            </a:pPr>
+            <a:r>
+              <a:rPr lang="ko-KR" altLang="en-US" sz="2400" dirty="0" smtClean="0">
+                <a:solidFill>
+                  <a:schemeClr val="bg1"/>
+                </a:solidFill>
+                <a:latin typeface="Meiryo" panose="020B0604030504040204" pitchFamily="34" charset="-128"/>
+                <a:cs typeface="Meiryo" panose="020B0604030504040204" pitchFamily="34" charset="-128"/>
+              </a:rPr>
+              <a:t>큰 사고 예방과 보수 가능</a:t>
+            </a:r>
+            <a:endParaRPr lang="en-US" altLang="ko-KR" sz="2400" dirty="0">
+              <a:solidFill>
+                <a:schemeClr val="bg1"/>
+              </a:solidFill>
+              <a:latin typeface="Meiryo" panose="020B0604030504040204" pitchFamily="34" charset="-128"/>
+              <a:cs typeface="Meiryo" panose="020B0604030504040204" pitchFamily="34" charset="-128"/>
+            </a:endParaRPr>
+          </a:p>
         </p:txBody>
       </p:sp>
     </p:spTree>
     <p:extLst>
       <p:ext uri="{BB962C8B-B14F-4D97-AF65-F5344CB8AC3E}">
-        <p14:creationId xmlns:p14="http://schemas.microsoft.com/office/powerpoint/2010/main" val="266295153"/>
+        <p14:creationId xmlns:p14="http://schemas.microsoft.com/office/powerpoint/2010/main" val="502337641"/>
       </p:ext>
     </p:extLst>
   </p:cSld>
@@ -7486,454 +7806,6 @@
 </file>
 
 <file path=ppt/slides/slide16.xml><?xml version="1.0" encoding="utf-8"?>
-<p:sld xmlns:a="http://schemas.openxmlformats.org/drawingml/2006/main" xmlns:r="http://schemas.openxmlformats.org/officeDocument/2006/relationships" xmlns:p="http://schemas.openxmlformats.org/presentationml/2006/main">
-  <p:cSld>
-    <p:bg>
-      <p:bgPr>
-        <a:solidFill>
-          <a:srgbClr val="222222"/>
-        </a:solidFill>
-        <a:effectLst/>
-      </p:bgPr>
-    </p:bg>
-    <p:spTree>
-      <p:nvGrpSpPr>
-        <p:cNvPr id="1" name=""/>
-        <p:cNvGrpSpPr/>
-        <p:nvPr/>
-      </p:nvGrpSpPr>
-      <p:grpSpPr>
-        <a:xfrm>
-          <a:off x="0" y="0"/>
-          <a:ext cx="0" cy="0"/>
-          <a:chOff x="0" y="0"/>
-          <a:chExt cx="0" cy="0"/>
-        </a:xfrm>
-      </p:grpSpPr>
-      <p:sp>
-        <p:nvSpPr>
-          <p:cNvPr id="2240" name="이등변 삼각형 2239"/>
-          <p:cNvSpPr/>
-          <p:nvPr/>
-        </p:nvSpPr>
-        <p:spPr>
-          <a:xfrm>
-            <a:off x="6011148" y="100484"/>
-            <a:ext cx="1203569" cy="954593"/>
-          </a:xfrm>
-          <a:prstGeom prst="triangle">
-            <a:avLst/>
-          </a:prstGeom>
-          <a:solidFill>
-            <a:srgbClr val="222222"/>
-          </a:solidFill>
-          <a:ln>
-            <a:noFill/>
-          </a:ln>
-          <a:effectLst>
-            <a:outerShdw blurRad="50800" dist="38100" dir="18900000" algn="bl" rotWithShape="0">
-              <a:prstClr val="black">
-                <a:alpha val="40000"/>
-              </a:prstClr>
-            </a:outerShdw>
-          </a:effectLst>
-        </p:spPr>
-        <p:style>
-          <a:lnRef idx="2">
-            <a:schemeClr val="accent1">
-              <a:shade val="50000"/>
-            </a:schemeClr>
-          </a:lnRef>
-          <a:fillRef idx="1">
-            <a:schemeClr val="accent1"/>
-          </a:fillRef>
-          <a:effectRef idx="0">
-            <a:schemeClr val="accent1"/>
-          </a:effectRef>
-          <a:fontRef idx="minor">
-            <a:schemeClr val="lt1"/>
-          </a:fontRef>
-        </p:style>
-        <p:txBody>
-          <a:bodyPr rtlCol="0" anchor="ctr"/>
-          <a:lstStyle/>
-          <a:p>
-            <a:pPr algn="ctr"/>
-            <a:endParaRPr lang="ko-KR" altLang="en-US"/>
-          </a:p>
-        </p:txBody>
-      </p:sp>
-      <p:sp>
-        <p:nvSpPr>
-          <p:cNvPr id="1302" name="자유형 1301"/>
-          <p:cNvSpPr/>
-          <p:nvPr/>
-        </p:nvSpPr>
-        <p:spPr>
-          <a:xfrm>
-            <a:off x="0" y="0"/>
-            <a:ext cx="6794939" cy="1055077"/>
-          </a:xfrm>
-          <a:custGeom>
-            <a:avLst/>
-            <a:gdLst>
-              <a:gd name="connsiteX0" fmla="*/ 0 w 6794939"/>
-              <a:gd name="connsiteY0" fmla="*/ 0 h 1198179"/>
-              <a:gd name="connsiteX1" fmla="*/ 299546 w 6794939"/>
-              <a:gd name="connsiteY1" fmla="*/ 0 h 1198179"/>
-              <a:gd name="connsiteX2" fmla="*/ 1418897 w 6794939"/>
-              <a:gd name="connsiteY2" fmla="*/ 0 h 1198179"/>
-              <a:gd name="connsiteX3" fmla="*/ 6794939 w 6794939"/>
-              <a:gd name="connsiteY3" fmla="*/ 0 h 1198179"/>
-              <a:gd name="connsiteX4" fmla="*/ 6495394 w 6794939"/>
-              <a:gd name="connsiteY4" fmla="*/ 1198179 h 1198179"/>
-              <a:gd name="connsiteX5" fmla="*/ 1418897 w 6794939"/>
-              <a:gd name="connsiteY5" fmla="*/ 1198179 h 1198179"/>
-              <a:gd name="connsiteX6" fmla="*/ 1 w 6794939"/>
-              <a:gd name="connsiteY6" fmla="*/ 1198179 h 1198179"/>
-              <a:gd name="connsiteX7" fmla="*/ 0 w 6794939"/>
-              <a:gd name="connsiteY7" fmla="*/ 1198179 h 1198179"/>
-              <a:gd name="connsiteX0" fmla="*/ 0 w 6794939"/>
-              <a:gd name="connsiteY0" fmla="*/ 0 h 1213945"/>
-              <a:gd name="connsiteX1" fmla="*/ 299546 w 6794939"/>
-              <a:gd name="connsiteY1" fmla="*/ 0 h 1213945"/>
-              <a:gd name="connsiteX2" fmla="*/ 1418897 w 6794939"/>
-              <a:gd name="connsiteY2" fmla="*/ 0 h 1213945"/>
-              <a:gd name="connsiteX3" fmla="*/ 6794939 w 6794939"/>
-              <a:gd name="connsiteY3" fmla="*/ 0 h 1213945"/>
-              <a:gd name="connsiteX4" fmla="*/ 5990898 w 6794939"/>
-              <a:gd name="connsiteY4" fmla="*/ 1213945 h 1213945"/>
-              <a:gd name="connsiteX5" fmla="*/ 1418897 w 6794939"/>
-              <a:gd name="connsiteY5" fmla="*/ 1198179 h 1213945"/>
-              <a:gd name="connsiteX6" fmla="*/ 1 w 6794939"/>
-              <a:gd name="connsiteY6" fmla="*/ 1198179 h 1213945"/>
-              <a:gd name="connsiteX7" fmla="*/ 0 w 6794939"/>
-              <a:gd name="connsiteY7" fmla="*/ 1198179 h 1213945"/>
-              <a:gd name="connsiteX8" fmla="*/ 0 w 6794939"/>
-              <a:gd name="connsiteY8" fmla="*/ 0 h 1213945"/>
-            </a:gdLst>
-            <a:ahLst/>
-            <a:cxnLst>
-              <a:cxn ang="0">
-                <a:pos x="connsiteX0" y="connsiteY0"/>
-              </a:cxn>
-              <a:cxn ang="0">
-                <a:pos x="connsiteX1" y="connsiteY1"/>
-              </a:cxn>
-              <a:cxn ang="0">
-                <a:pos x="connsiteX2" y="connsiteY2"/>
-              </a:cxn>
-              <a:cxn ang="0">
-                <a:pos x="connsiteX3" y="connsiteY3"/>
-              </a:cxn>
-              <a:cxn ang="0">
-                <a:pos x="connsiteX4" y="connsiteY4"/>
-              </a:cxn>
-              <a:cxn ang="0">
-                <a:pos x="connsiteX5" y="connsiteY5"/>
-              </a:cxn>
-              <a:cxn ang="0">
-                <a:pos x="connsiteX6" y="connsiteY6"/>
-              </a:cxn>
-              <a:cxn ang="0">
-                <a:pos x="connsiteX7" y="connsiteY7"/>
-              </a:cxn>
-              <a:cxn ang="0">
-                <a:pos x="connsiteX8" y="connsiteY8"/>
-              </a:cxn>
-            </a:cxnLst>
-            <a:rect l="l" t="t" r="r" b="b"/>
-            <a:pathLst>
-              <a:path w="6794939" h="1213945">
-                <a:moveTo>
-                  <a:pt x="0" y="0"/>
-                </a:moveTo>
-                <a:lnTo>
-                  <a:pt x="299546" y="0"/>
-                </a:lnTo>
-                <a:lnTo>
-                  <a:pt x="1418897" y="0"/>
-                </a:lnTo>
-                <a:lnTo>
-                  <a:pt x="6794939" y="0"/>
-                </a:lnTo>
-                <a:lnTo>
-                  <a:pt x="5990898" y="1213945"/>
-                </a:lnTo>
-                <a:lnTo>
-                  <a:pt x="1418897" y="1198179"/>
-                </a:lnTo>
-                <a:lnTo>
-                  <a:pt x="1" y="1198179"/>
-                </a:lnTo>
-                <a:lnTo>
-                  <a:pt x="0" y="1198179"/>
-                </a:lnTo>
-                <a:lnTo>
-                  <a:pt x="0" y="0"/>
-                </a:lnTo>
-                <a:close/>
-              </a:path>
-            </a:pathLst>
-          </a:custGeom>
-          <a:solidFill>
-            <a:schemeClr val="accent1">
-              <a:lumMod val="50000"/>
-            </a:schemeClr>
-          </a:solidFill>
-          <a:ln>
-            <a:noFill/>
-          </a:ln>
-          <a:effectLst>
-            <a:outerShdw blurRad="50800" dist="38100" dir="2700000" algn="tl" rotWithShape="0">
-              <a:prstClr val="black">
-                <a:alpha val="40000"/>
-              </a:prstClr>
-            </a:outerShdw>
-          </a:effectLst>
-        </p:spPr>
-        <p:style>
-          <a:lnRef idx="2">
-            <a:schemeClr val="accent1">
-              <a:shade val="50000"/>
-            </a:schemeClr>
-          </a:lnRef>
-          <a:fillRef idx="1">
-            <a:schemeClr val="accent1"/>
-          </a:fillRef>
-          <a:effectRef idx="0">
-            <a:schemeClr val="accent1"/>
-          </a:effectRef>
-          <a:fontRef idx="minor">
-            <a:schemeClr val="lt1"/>
-          </a:fontRef>
-        </p:style>
-        <p:txBody>
-          <a:bodyPr rtlCol="0" anchor="ctr"/>
-          <a:lstStyle/>
-          <a:p>
-            <a:pPr algn="ctr"/>
-            <a:endParaRPr lang="ko-KR" altLang="en-US"/>
-          </a:p>
-        </p:txBody>
-      </p:sp>
-      <p:sp>
-        <p:nvSpPr>
-          <p:cNvPr id="26" name="TextBox 25"/>
-          <p:cNvSpPr txBox="1"/>
-          <p:nvPr/>
-        </p:nvSpPr>
-        <p:spPr>
-          <a:xfrm>
-            <a:off x="888557" y="265928"/>
-            <a:ext cx="1463862" cy="523220"/>
-          </a:xfrm>
-          <a:prstGeom prst="rect">
-            <a:avLst/>
-          </a:prstGeom>
-          <a:noFill/>
-        </p:spPr>
-        <p:txBody>
-          <a:bodyPr wrap="none" rtlCol="0">
-            <a:spAutoFit/>
-          </a:bodyPr>
-          <a:lstStyle/>
-          <a:p>
-            <a:r>
-              <a:rPr lang="ko-KR" altLang="en-US" sz="2800" dirty="0" smtClean="0">
-                <a:solidFill>
-                  <a:schemeClr val="bg1"/>
-                </a:solidFill>
-                <a:latin typeface="KoPub돋움체 Light" panose="02020603020101020101" pitchFamily="18" charset="-127"/>
-                <a:ea typeface="KoPub돋움체 Light" panose="02020603020101020101" pitchFamily="18" charset="-127"/>
-              </a:rPr>
-              <a:t>기대효과</a:t>
-            </a:r>
-            <a:endParaRPr lang="ko-KR" altLang="en-US" sz="2800" dirty="0">
-              <a:solidFill>
-                <a:schemeClr val="bg1"/>
-              </a:solidFill>
-              <a:latin typeface="KoPub돋움체 Light" panose="02020603020101020101" pitchFamily="18" charset="-127"/>
-              <a:ea typeface="KoPub돋움체 Light" panose="02020603020101020101" pitchFamily="18" charset="-127"/>
-            </a:endParaRPr>
-          </a:p>
-        </p:txBody>
-      </p:sp>
-      <p:sp>
-        <p:nvSpPr>
-          <p:cNvPr id="12" name="TextBox 11"/>
-          <p:cNvSpPr txBox="1"/>
-          <p:nvPr/>
-        </p:nvSpPr>
-        <p:spPr>
-          <a:xfrm>
-            <a:off x="888557" y="2245153"/>
-            <a:ext cx="7379368" cy="2677656"/>
-          </a:xfrm>
-          <a:prstGeom prst="rect">
-            <a:avLst/>
-          </a:prstGeom>
-          <a:noFill/>
-        </p:spPr>
-        <p:txBody>
-          <a:bodyPr wrap="square" rtlCol="0">
-            <a:spAutoFit/>
-          </a:bodyPr>
-          <a:lstStyle/>
-          <a:p>
-            <a:pPr marL="342900" indent="-342900">
-              <a:buFont typeface="Arial" panose="020B0604020202020204" pitchFamily="34" charset="0"/>
-              <a:buChar char="•"/>
-            </a:pPr>
-            <a:r>
-              <a:rPr lang="ko-KR" altLang="en-US" sz="2400" dirty="0" smtClean="0">
-                <a:solidFill>
-                  <a:schemeClr val="bg1"/>
-                </a:solidFill>
-                <a:latin typeface="Meiryo" panose="020B0604030504040204" pitchFamily="34" charset="-128"/>
-                <a:cs typeface="Meiryo" panose="020B0604030504040204" pitchFamily="34" charset="-128"/>
-              </a:rPr>
-              <a:t>온도 데이터 저장 및 관리 가능</a:t>
-            </a:r>
-            <a:endParaRPr lang="en-US" altLang="ko-KR" sz="2400" dirty="0" smtClean="0">
-              <a:solidFill>
-                <a:schemeClr val="bg1"/>
-              </a:solidFill>
-              <a:latin typeface="Meiryo" panose="020B0604030504040204" pitchFamily="34" charset="-128"/>
-              <a:cs typeface="Meiryo" panose="020B0604030504040204" pitchFamily="34" charset="-128"/>
-            </a:endParaRPr>
-          </a:p>
-          <a:p>
-            <a:pPr marL="342900" indent="-342900">
-              <a:buFont typeface="Arial" panose="020B0604020202020204" pitchFamily="34" charset="0"/>
-              <a:buChar char="•"/>
-            </a:pPr>
-            <a:endParaRPr lang="en-US" altLang="ko-KR" sz="2400" dirty="0">
-              <a:solidFill>
-                <a:schemeClr val="bg1"/>
-              </a:solidFill>
-              <a:latin typeface="Meiryo" panose="020B0604030504040204" pitchFamily="34" charset="-128"/>
-              <a:cs typeface="Meiryo" panose="020B0604030504040204" pitchFamily="34" charset="-128"/>
-            </a:endParaRPr>
-          </a:p>
-          <a:p>
-            <a:pPr marL="342900" indent="-342900">
-              <a:buFont typeface="Arial" panose="020B0604020202020204" pitchFamily="34" charset="0"/>
-              <a:buChar char="•"/>
-            </a:pPr>
-            <a:r>
-              <a:rPr lang="ko-KR" altLang="en-US" sz="2400" dirty="0" smtClean="0">
-                <a:solidFill>
-                  <a:schemeClr val="bg1"/>
-                </a:solidFill>
-                <a:latin typeface="Meiryo" panose="020B0604030504040204" pitchFamily="34" charset="-128"/>
-                <a:cs typeface="Meiryo" panose="020B0604030504040204" pitchFamily="34" charset="-128"/>
-              </a:rPr>
-              <a:t>정밀 측정 기기에 사용 되는 시간과 인력 감소</a:t>
-            </a:r>
-            <a:endParaRPr lang="en-US" altLang="ko-KR" sz="2400" dirty="0" smtClean="0">
-              <a:solidFill>
-                <a:schemeClr val="bg1"/>
-              </a:solidFill>
-              <a:latin typeface="Meiryo" panose="020B0604030504040204" pitchFamily="34" charset="-128"/>
-              <a:cs typeface="Meiryo" panose="020B0604030504040204" pitchFamily="34" charset="-128"/>
-            </a:endParaRPr>
-          </a:p>
-          <a:p>
-            <a:pPr marL="342900" indent="-342900">
-              <a:buFont typeface="Arial" panose="020B0604020202020204" pitchFamily="34" charset="0"/>
-              <a:buChar char="•"/>
-            </a:pPr>
-            <a:endParaRPr lang="en-US" altLang="ko-KR" sz="2400" dirty="0">
-              <a:solidFill>
-                <a:schemeClr val="bg1"/>
-              </a:solidFill>
-              <a:latin typeface="Meiryo" panose="020B0604030504040204" pitchFamily="34" charset="-128"/>
-              <a:cs typeface="Meiryo" panose="020B0604030504040204" pitchFamily="34" charset="-128"/>
-            </a:endParaRPr>
-          </a:p>
-          <a:p>
-            <a:pPr marL="342900" indent="-342900">
-              <a:buFont typeface="Arial" panose="020B0604020202020204" pitchFamily="34" charset="0"/>
-              <a:buChar char="•"/>
-            </a:pPr>
-            <a:r>
-              <a:rPr lang="ko-KR" altLang="en-US" sz="2400" dirty="0" smtClean="0">
-                <a:solidFill>
-                  <a:schemeClr val="bg1"/>
-                </a:solidFill>
-                <a:latin typeface="Meiryo" panose="020B0604030504040204" pitchFamily="34" charset="-128"/>
-                <a:cs typeface="Meiryo" panose="020B0604030504040204" pitchFamily="34" charset="-128"/>
-              </a:rPr>
-              <a:t>연속적인 온도 측정 </a:t>
-            </a:r>
-            <a:endParaRPr lang="en-US" altLang="ko-KR" sz="2400" dirty="0" smtClean="0">
-              <a:solidFill>
-                <a:schemeClr val="bg1"/>
-              </a:solidFill>
-              <a:latin typeface="Meiryo" panose="020B0604030504040204" pitchFamily="34" charset="-128"/>
-              <a:cs typeface="Meiryo" panose="020B0604030504040204" pitchFamily="34" charset="-128"/>
-            </a:endParaRPr>
-          </a:p>
-          <a:p>
-            <a:pPr marL="342900" indent="-342900">
-              <a:buFont typeface="Arial" panose="020B0604020202020204" pitchFamily="34" charset="0"/>
-              <a:buChar char="•"/>
-            </a:pPr>
-            <a:endParaRPr lang="en-US" altLang="ko-KR" sz="2400" dirty="0">
-              <a:solidFill>
-                <a:schemeClr val="bg1"/>
-              </a:solidFill>
-              <a:latin typeface="Meiryo" panose="020B0604030504040204" pitchFamily="34" charset="-128"/>
-              <a:cs typeface="Meiryo" panose="020B0604030504040204" pitchFamily="34" charset="-128"/>
-            </a:endParaRPr>
-          </a:p>
-          <a:p>
-            <a:pPr marL="342900" indent="-342900">
-              <a:buFont typeface="Arial" panose="020B0604020202020204" pitchFamily="34" charset="0"/>
-              <a:buChar char="•"/>
-            </a:pPr>
-            <a:r>
-              <a:rPr lang="ko-KR" altLang="en-US" sz="2400" dirty="0" smtClean="0">
-                <a:solidFill>
-                  <a:schemeClr val="bg1"/>
-                </a:solidFill>
-                <a:latin typeface="Meiryo" panose="020B0604030504040204" pitchFamily="34" charset="-128"/>
-                <a:cs typeface="Meiryo" panose="020B0604030504040204" pitchFamily="34" charset="-128"/>
-              </a:rPr>
-              <a:t>큰 사고 예방과 보수 가능</a:t>
-            </a:r>
-            <a:endParaRPr lang="en-US" altLang="ko-KR" sz="2400" dirty="0">
-              <a:solidFill>
-                <a:schemeClr val="bg1"/>
-              </a:solidFill>
-              <a:latin typeface="Meiryo" panose="020B0604030504040204" pitchFamily="34" charset="-128"/>
-              <a:cs typeface="Meiryo" panose="020B0604030504040204" pitchFamily="34" charset="-128"/>
-            </a:endParaRPr>
-          </a:p>
-        </p:txBody>
-      </p:sp>
-    </p:spTree>
-    <p:extLst>
-      <p:ext uri="{BB962C8B-B14F-4D97-AF65-F5344CB8AC3E}">
-        <p14:creationId xmlns:p14="http://schemas.microsoft.com/office/powerpoint/2010/main" val="2011202462"/>
-      </p:ext>
-    </p:extLst>
-  </p:cSld>
-  <p:clrMapOvr>
-    <a:masterClrMapping/>
-  </p:clrMapOvr>
-  <p:timing>
-    <p:tnLst>
-      <p:par>
-        <p:cTn id="1" dur="indefinite" restart="never" nodeType="tmRoot"/>
-      </p:par>
-    </p:tnLst>
-  </p:timing>
-</p:sld>
-</file>
-
-<file path=ppt/slides/slide17.xml><?xml version="1.0" encoding="utf-8"?>
 <p:sld xmlns:a="http://schemas.openxmlformats.org/drawingml/2006/main" xmlns:r="http://schemas.openxmlformats.org/officeDocument/2006/relationships" xmlns:p="http://schemas.openxmlformats.org/presentationml/2006/main">
   <p:cSld>
     <p:bg>
@@ -11556,14 +11428,14 @@
           <p:nvPr>
             <p:extLst>
               <p:ext uri="{D42A27DB-BD31-4B8C-83A1-F6EECF244321}">
-                <p14:modId xmlns:p14="http://schemas.microsoft.com/office/powerpoint/2010/main" val="3097810169"/>
+                <p14:modId xmlns:p14="http://schemas.microsoft.com/office/powerpoint/2010/main" val="216954063"/>
               </p:ext>
             </p:extLst>
           </p:nvPr>
         </p:nvGraphicFramePr>
         <p:xfrm>
           <a:off x="888557" y="1723407"/>
-          <a:ext cx="10875336" cy="1095240"/>
+          <a:ext cx="10875336" cy="1169422"/>
         </p:xfrm>
         <a:graphic>
           <a:graphicData uri="http://schemas.openxmlformats.org/drawingml/2006/table">
@@ -11641,7 +11513,7 @@
                   </a:extLst>
                 </a:gridCol>
               </a:tblGrid>
-              <a:tr h="613623">
+              <a:tr h="584711">
                 <a:tc>
                   <a:txBody>
                     <a:bodyPr/>
@@ -11714,7 +11586,7 @@
                   <a:tcPr marL="64770" marR="64770" marT="17907" marB="17907" anchor="ctr">
                     <a:lnL w="12700" cap="flat" cmpd="sng" algn="ctr">
                       <a:solidFill>
-                        <a:schemeClr val="tx1"/>
+                        <a:schemeClr val="bg1"/>
                       </a:solidFill>
                       <a:prstDash val="solid"/>
                       <a:round/>
@@ -11723,7 +11595,7 @@
                     </a:lnL>
                     <a:lnR w="12700" cap="flat" cmpd="sng" algn="ctr">
                       <a:solidFill>
-                        <a:schemeClr val="tx1"/>
+                        <a:schemeClr val="bg1"/>
                       </a:solidFill>
                       <a:prstDash val="solid"/>
                       <a:round/>
@@ -11732,7 +11604,7 @@
                     </a:lnR>
                     <a:lnT w="12700" cap="flat" cmpd="sng" algn="ctr">
                       <a:solidFill>
-                        <a:schemeClr val="tx1"/>
+                        <a:schemeClr val="bg1"/>
                       </a:solidFill>
                       <a:prstDash val="solid"/>
                       <a:round/>
@@ -11741,13 +11613,21 @@
                     </a:lnT>
                     <a:lnB w="12700" cap="flat" cmpd="sng" algn="ctr">
                       <a:solidFill>
-                        <a:schemeClr val="tx1"/>
+                        <a:schemeClr val="bg1"/>
                       </a:solidFill>
                       <a:prstDash val="solid"/>
                       <a:round/>
                       <a:headEnd type="none" w="med" len="med"/>
                       <a:tailEnd type="none" w="med" len="med"/>
                     </a:lnB>
+                    <a:lnTlToBr w="12700" cmpd="sng">
+                      <a:noFill/>
+                      <a:prstDash val="solid"/>
+                    </a:lnTlToBr>
+                    <a:lnBlToTr w="12700" cmpd="sng">
+                      <a:noFill/>
+                      <a:prstDash val="solid"/>
+                    </a:lnBlToTr>
                   </a:tcPr>
                 </a:tc>
                 <a:tc>
@@ -11789,7 +11669,7 @@
                   <a:tcPr marL="64770" marR="64770" marT="17907" marB="17907" anchor="ctr">
                     <a:lnL w="12700" cap="flat" cmpd="sng" algn="ctr">
                       <a:solidFill>
-                        <a:schemeClr val="tx1"/>
+                        <a:schemeClr val="bg1"/>
                       </a:solidFill>
                       <a:prstDash val="solid"/>
                       <a:round/>
@@ -11798,7 +11678,7 @@
                     </a:lnL>
                     <a:lnR w="12700" cap="flat" cmpd="sng" algn="ctr">
                       <a:solidFill>
-                        <a:schemeClr val="tx1"/>
+                        <a:schemeClr val="bg1"/>
                       </a:solidFill>
                       <a:prstDash val="solid"/>
                       <a:round/>
@@ -11807,7 +11687,7 @@
                     </a:lnR>
                     <a:lnT w="12700" cap="flat" cmpd="sng" algn="ctr">
                       <a:solidFill>
-                        <a:schemeClr val="tx1"/>
+                        <a:schemeClr val="bg1"/>
                       </a:solidFill>
                       <a:prstDash val="solid"/>
                       <a:round/>
@@ -11816,13 +11696,21 @@
                     </a:lnT>
                     <a:lnB w="12700" cap="flat" cmpd="sng" algn="ctr">
                       <a:solidFill>
-                        <a:schemeClr val="tx1"/>
+                        <a:schemeClr val="bg1"/>
                       </a:solidFill>
                       <a:prstDash val="solid"/>
                       <a:round/>
                       <a:headEnd type="none" w="med" len="med"/>
                       <a:tailEnd type="none" w="med" len="med"/>
                     </a:lnB>
+                    <a:lnTlToBr w="12700" cmpd="sng">
+                      <a:noFill/>
+                      <a:prstDash val="solid"/>
+                    </a:lnTlToBr>
+                    <a:lnBlToTr w="12700" cmpd="sng">
+                      <a:noFill/>
+                      <a:prstDash val="solid"/>
+                    </a:lnBlToTr>
                   </a:tcPr>
                 </a:tc>
                 <a:tc>
@@ -11864,7 +11752,7 @@
                   <a:tcPr marL="64770" marR="64770" marT="17907" marB="17907" anchor="ctr">
                     <a:lnL w="12700" cap="flat" cmpd="sng" algn="ctr">
                       <a:solidFill>
-                        <a:schemeClr val="tx1"/>
+                        <a:schemeClr val="bg1"/>
                       </a:solidFill>
                       <a:prstDash val="solid"/>
                       <a:round/>
@@ -11873,7 +11761,7 @@
                     </a:lnL>
                     <a:lnR w="12700" cap="flat" cmpd="sng" algn="ctr">
                       <a:solidFill>
-                        <a:schemeClr val="tx1"/>
+                        <a:schemeClr val="bg1"/>
                       </a:solidFill>
                       <a:prstDash val="solid"/>
                       <a:round/>
@@ -11882,7 +11770,7 @@
                     </a:lnR>
                     <a:lnT w="12700" cap="flat" cmpd="sng" algn="ctr">
                       <a:solidFill>
-                        <a:schemeClr val="tx1"/>
+                        <a:schemeClr val="bg1"/>
                       </a:solidFill>
                       <a:prstDash val="solid"/>
                       <a:round/>
@@ -11891,13 +11779,21 @@
                     </a:lnT>
                     <a:lnB w="12700" cap="flat" cmpd="sng" algn="ctr">
                       <a:solidFill>
-                        <a:schemeClr val="tx1"/>
+                        <a:schemeClr val="bg1"/>
                       </a:solidFill>
                       <a:prstDash val="solid"/>
                       <a:round/>
                       <a:headEnd type="none" w="med" len="med"/>
                       <a:tailEnd type="none" w="med" len="med"/>
                     </a:lnB>
+                    <a:lnTlToBr w="12700" cmpd="sng">
+                      <a:noFill/>
+                      <a:prstDash val="solid"/>
+                    </a:lnTlToBr>
+                    <a:lnBlToTr w="12700" cmpd="sng">
+                      <a:noFill/>
+                      <a:prstDash val="solid"/>
+                    </a:lnBlToTr>
                   </a:tcPr>
                 </a:tc>
                 <a:tc>
@@ -11939,7 +11835,7 @@
                   <a:tcPr marL="64770" marR="64770" marT="17907" marB="17907" anchor="ctr">
                     <a:lnL w="12700" cap="flat" cmpd="sng" algn="ctr">
                       <a:solidFill>
-                        <a:schemeClr val="tx1"/>
+                        <a:schemeClr val="bg1"/>
                       </a:solidFill>
                       <a:prstDash val="solid"/>
                       <a:round/>
@@ -11948,7 +11844,7 @@
                     </a:lnL>
                     <a:lnR w="12700" cap="flat" cmpd="sng" algn="ctr">
                       <a:solidFill>
-                        <a:schemeClr val="tx1"/>
+                        <a:schemeClr val="bg1"/>
                       </a:solidFill>
                       <a:prstDash val="solid"/>
                       <a:round/>
@@ -11957,7 +11853,7 @@
                     </a:lnR>
                     <a:lnT w="12700" cap="flat" cmpd="sng" algn="ctr">
                       <a:solidFill>
-                        <a:schemeClr val="tx1"/>
+                        <a:schemeClr val="bg1"/>
                       </a:solidFill>
                       <a:prstDash val="solid"/>
                       <a:round/>
@@ -11966,13 +11862,21 @@
                     </a:lnT>
                     <a:lnB w="12700" cap="flat" cmpd="sng" algn="ctr">
                       <a:solidFill>
-                        <a:schemeClr val="tx1"/>
+                        <a:schemeClr val="bg1"/>
                       </a:solidFill>
                       <a:prstDash val="solid"/>
                       <a:round/>
                       <a:headEnd type="none" w="med" len="med"/>
                       <a:tailEnd type="none" w="med" len="med"/>
                     </a:lnB>
+                    <a:lnTlToBr w="12700" cmpd="sng">
+                      <a:noFill/>
+                      <a:prstDash val="solid"/>
+                    </a:lnTlToBr>
+                    <a:lnBlToTr w="12700" cmpd="sng">
+                      <a:noFill/>
+                      <a:prstDash val="solid"/>
+                    </a:lnBlToTr>
                   </a:tcPr>
                 </a:tc>
                 <a:tc>
@@ -12014,7 +11918,7 @@
                   <a:tcPr marL="64770" marR="64770" marT="17907" marB="17907" anchor="ctr">
                     <a:lnL w="12700" cap="flat" cmpd="sng" algn="ctr">
                       <a:solidFill>
-                        <a:schemeClr val="tx1"/>
+                        <a:schemeClr val="bg1"/>
                       </a:solidFill>
                       <a:prstDash val="solid"/>
                       <a:round/>
@@ -12023,7 +11927,7 @@
                     </a:lnL>
                     <a:lnR w="12700" cap="flat" cmpd="sng" algn="ctr">
                       <a:solidFill>
-                        <a:schemeClr val="tx1"/>
+                        <a:schemeClr val="bg1"/>
                       </a:solidFill>
                       <a:prstDash val="solid"/>
                       <a:round/>
@@ -12032,7 +11936,7 @@
                     </a:lnR>
                     <a:lnT w="12700" cap="flat" cmpd="sng" algn="ctr">
                       <a:solidFill>
-                        <a:schemeClr val="tx1"/>
+                        <a:schemeClr val="bg1"/>
                       </a:solidFill>
                       <a:prstDash val="solid"/>
                       <a:round/>
@@ -12041,13 +11945,21 @@
                     </a:lnT>
                     <a:lnB w="12700" cap="flat" cmpd="sng" algn="ctr">
                       <a:solidFill>
-                        <a:schemeClr val="tx1"/>
+                        <a:schemeClr val="bg1"/>
                       </a:solidFill>
                       <a:prstDash val="solid"/>
                       <a:round/>
                       <a:headEnd type="none" w="med" len="med"/>
                       <a:tailEnd type="none" w="med" len="med"/>
                     </a:lnB>
+                    <a:lnTlToBr w="12700" cmpd="sng">
+                      <a:noFill/>
+                      <a:prstDash val="solid"/>
+                    </a:lnTlToBr>
+                    <a:lnBlToTr w="12700" cmpd="sng">
+                      <a:noFill/>
+                      <a:prstDash val="solid"/>
+                    </a:lnBlToTr>
                   </a:tcPr>
                 </a:tc>
                 <a:tc>
@@ -12089,7 +12001,7 @@
                   <a:tcPr marL="64770" marR="64770" marT="17907" marB="17907" anchor="ctr">
                     <a:lnL w="12700" cap="flat" cmpd="sng" algn="ctr">
                       <a:solidFill>
-                        <a:schemeClr val="tx1"/>
+                        <a:schemeClr val="bg1"/>
                       </a:solidFill>
                       <a:prstDash val="solid"/>
                       <a:round/>
@@ -12098,7 +12010,7 @@
                     </a:lnL>
                     <a:lnR w="12700" cap="flat" cmpd="sng" algn="ctr">
                       <a:solidFill>
-                        <a:schemeClr val="tx1"/>
+                        <a:schemeClr val="bg1"/>
                       </a:solidFill>
                       <a:prstDash val="solid"/>
                       <a:round/>
@@ -12107,7 +12019,7 @@
                     </a:lnR>
                     <a:lnT w="12700" cap="flat" cmpd="sng" algn="ctr">
                       <a:solidFill>
-                        <a:schemeClr val="tx1"/>
+                        <a:schemeClr val="bg1"/>
                       </a:solidFill>
                       <a:prstDash val="solid"/>
                       <a:round/>
@@ -12116,13 +12028,21 @@
                     </a:lnT>
                     <a:lnB w="12700" cap="flat" cmpd="sng" algn="ctr">
                       <a:solidFill>
-                        <a:schemeClr val="tx1"/>
+                        <a:schemeClr val="bg1"/>
                       </a:solidFill>
                       <a:prstDash val="solid"/>
                       <a:round/>
                       <a:headEnd type="none" w="med" len="med"/>
                       <a:tailEnd type="none" w="med" len="med"/>
                     </a:lnB>
+                    <a:lnTlToBr w="12700" cmpd="sng">
+                      <a:noFill/>
+                      <a:prstDash val="solid"/>
+                    </a:lnTlToBr>
+                    <a:lnBlToTr w="12700" cmpd="sng">
+                      <a:noFill/>
+                      <a:prstDash val="solid"/>
+                    </a:lnBlToTr>
                   </a:tcPr>
                 </a:tc>
                 <a:tc>
@@ -12164,7 +12084,7 @@
                   <a:tcPr marL="64770" marR="64770" marT="17907" marB="17907" anchor="ctr">
                     <a:lnL w="12700" cap="flat" cmpd="sng" algn="ctr">
                       <a:solidFill>
-                        <a:schemeClr val="tx1"/>
+                        <a:schemeClr val="bg1"/>
                       </a:solidFill>
                       <a:prstDash val="solid"/>
                       <a:round/>
@@ -12173,7 +12093,7 @@
                     </a:lnL>
                     <a:lnR w="12700" cap="flat" cmpd="sng" algn="ctr">
                       <a:solidFill>
-                        <a:schemeClr val="tx1"/>
+                        <a:schemeClr val="bg1"/>
                       </a:solidFill>
                       <a:prstDash val="solid"/>
                       <a:round/>
@@ -12182,7 +12102,7 @@
                     </a:lnR>
                     <a:lnT w="12700" cap="flat" cmpd="sng" algn="ctr">
                       <a:solidFill>
-                        <a:schemeClr val="tx1"/>
+                        <a:schemeClr val="bg1"/>
                       </a:solidFill>
                       <a:prstDash val="solid"/>
                       <a:round/>
@@ -12191,13 +12111,21 @@
                     </a:lnT>
                     <a:lnB w="12700" cap="flat" cmpd="sng" algn="ctr">
                       <a:solidFill>
-                        <a:schemeClr val="tx1"/>
+                        <a:schemeClr val="bg1"/>
                       </a:solidFill>
                       <a:prstDash val="solid"/>
                       <a:round/>
                       <a:headEnd type="none" w="med" len="med"/>
                       <a:tailEnd type="none" w="med" len="med"/>
                     </a:lnB>
+                    <a:lnTlToBr w="12700" cmpd="sng">
+                      <a:noFill/>
+                      <a:prstDash val="solid"/>
+                    </a:lnTlToBr>
+                    <a:lnBlToTr w="12700" cmpd="sng">
+                      <a:noFill/>
+                      <a:prstDash val="solid"/>
+                    </a:lnBlToTr>
                   </a:tcPr>
                 </a:tc>
                 <a:tc>
@@ -12239,7 +12167,7 @@
                   <a:tcPr marL="64770" marR="64770" marT="17907" marB="17907" anchor="ctr">
                     <a:lnL w="12700" cap="flat" cmpd="sng" algn="ctr">
                       <a:solidFill>
-                        <a:schemeClr val="tx1"/>
+                        <a:schemeClr val="bg1"/>
                       </a:solidFill>
                       <a:prstDash val="solid"/>
                       <a:round/>
@@ -12248,7 +12176,7 @@
                     </a:lnL>
                     <a:lnR w="12700" cap="flat" cmpd="sng" algn="ctr">
                       <a:solidFill>
-                        <a:schemeClr val="tx1"/>
+                        <a:schemeClr val="bg1"/>
                       </a:solidFill>
                       <a:prstDash val="solid"/>
                       <a:round/>
@@ -12257,7 +12185,7 @@
                     </a:lnR>
                     <a:lnT w="12700" cap="flat" cmpd="sng" algn="ctr">
                       <a:solidFill>
-                        <a:schemeClr val="tx1"/>
+                        <a:schemeClr val="bg1"/>
                       </a:solidFill>
                       <a:prstDash val="solid"/>
                       <a:round/>
@@ -12266,13 +12194,21 @@
                     </a:lnT>
                     <a:lnB w="12700" cap="flat" cmpd="sng" algn="ctr">
                       <a:solidFill>
-                        <a:schemeClr val="tx1"/>
+                        <a:schemeClr val="bg1"/>
                       </a:solidFill>
                       <a:prstDash val="solid"/>
                       <a:round/>
                       <a:headEnd type="none" w="med" len="med"/>
                       <a:tailEnd type="none" w="med" len="med"/>
                     </a:lnB>
+                    <a:lnTlToBr w="12700" cmpd="sng">
+                      <a:noFill/>
+                      <a:prstDash val="solid"/>
+                    </a:lnTlToBr>
+                    <a:lnBlToTr w="12700" cmpd="sng">
+                      <a:noFill/>
+                      <a:prstDash val="solid"/>
+                    </a:lnBlToTr>
                   </a:tcPr>
                 </a:tc>
                 <a:tc>
@@ -12314,7 +12250,7 @@
                   <a:tcPr marL="64770" marR="64770" marT="17907" marB="17907" anchor="ctr">
                     <a:lnL w="12700" cap="flat" cmpd="sng" algn="ctr">
                       <a:solidFill>
-                        <a:schemeClr val="tx1"/>
+                        <a:schemeClr val="bg1"/>
                       </a:solidFill>
                       <a:prstDash val="solid"/>
                       <a:round/>
@@ -12323,7 +12259,7 @@
                     </a:lnL>
                     <a:lnR w="12700" cap="flat" cmpd="sng" algn="ctr">
                       <a:solidFill>
-                        <a:schemeClr val="tx1"/>
+                        <a:schemeClr val="bg1"/>
                       </a:solidFill>
                       <a:prstDash val="solid"/>
                       <a:round/>
@@ -12332,7 +12268,7 @@
                     </a:lnR>
                     <a:lnT w="12700" cap="flat" cmpd="sng" algn="ctr">
                       <a:solidFill>
-                        <a:schemeClr val="tx1"/>
+                        <a:schemeClr val="bg1"/>
                       </a:solidFill>
                       <a:prstDash val="solid"/>
                       <a:round/>
@@ -12341,13 +12277,21 @@
                     </a:lnT>
                     <a:lnB w="12700" cap="flat" cmpd="sng" algn="ctr">
                       <a:solidFill>
-                        <a:schemeClr val="tx1"/>
+                        <a:schemeClr val="bg1"/>
                       </a:solidFill>
                       <a:prstDash val="solid"/>
                       <a:round/>
                       <a:headEnd type="none" w="med" len="med"/>
                       <a:tailEnd type="none" w="med" len="med"/>
                     </a:lnB>
+                    <a:lnTlToBr w="12700" cmpd="sng">
+                      <a:noFill/>
+                      <a:prstDash val="solid"/>
+                    </a:lnTlToBr>
+                    <a:lnBlToTr w="12700" cmpd="sng">
+                      <a:noFill/>
+                      <a:prstDash val="solid"/>
+                    </a:lnBlToTr>
                   </a:tcPr>
                 </a:tc>
                 <a:tc>
@@ -12389,7 +12333,7 @@
                   <a:tcPr marL="64770" marR="64770" marT="17907" marB="17907" anchor="ctr">
                     <a:lnL w="12700" cap="flat" cmpd="sng" algn="ctr">
                       <a:solidFill>
-                        <a:schemeClr val="tx1"/>
+                        <a:schemeClr val="bg1"/>
                       </a:solidFill>
                       <a:prstDash val="solid"/>
                       <a:round/>
@@ -12398,7 +12342,7 @@
                     </a:lnL>
                     <a:lnR w="12700" cap="flat" cmpd="sng" algn="ctr">
                       <a:solidFill>
-                        <a:schemeClr val="tx1"/>
+                        <a:schemeClr val="bg1"/>
                       </a:solidFill>
                       <a:prstDash val="solid"/>
                       <a:round/>
@@ -12407,7 +12351,7 @@
                     </a:lnR>
                     <a:lnT w="12700" cap="flat" cmpd="sng" algn="ctr">
                       <a:solidFill>
-                        <a:schemeClr val="tx1"/>
+                        <a:schemeClr val="bg1"/>
                       </a:solidFill>
                       <a:prstDash val="solid"/>
                       <a:round/>
@@ -12416,13 +12360,21 @@
                     </a:lnT>
                     <a:lnB w="12700" cap="flat" cmpd="sng" algn="ctr">
                       <a:solidFill>
-                        <a:schemeClr val="tx1"/>
+                        <a:schemeClr val="bg1"/>
                       </a:solidFill>
                       <a:prstDash val="solid"/>
                       <a:round/>
                       <a:headEnd type="none" w="med" len="med"/>
                       <a:tailEnd type="none" w="med" len="med"/>
                     </a:lnB>
+                    <a:lnTlToBr w="12700" cmpd="sng">
+                      <a:noFill/>
+                      <a:prstDash val="solid"/>
+                    </a:lnTlToBr>
+                    <a:lnBlToTr w="12700" cmpd="sng">
+                      <a:noFill/>
+                      <a:prstDash val="solid"/>
+                    </a:lnBlToTr>
                   </a:tcPr>
                 </a:tc>
                 <a:extLst>
@@ -12431,7 +12383,7 @@
                   </a:ext>
                 </a:extLst>
               </a:tr>
-              <a:tr h="481617">
+              <a:tr h="584711">
                 <a:tc>
                   <a:txBody>
                     <a:bodyPr/>
@@ -12449,7 +12401,7 @@
                         </a:spcAft>
                       </a:pPr>
                       <a:r>
-                        <a:rPr lang="ko-KR" altLang="en-US" sz="1500" b="1" kern="0" spc="0">
+                        <a:rPr lang="ko-KR" altLang="en-US" sz="1500" b="1" kern="0" spc="0" dirty="0" err="1">
                           <a:solidFill>
                             <a:schemeClr val="bg1"/>
                           </a:solidFill>
@@ -12460,7 +12412,7 @@
                         <a:t>레일온도</a:t>
                       </a:r>
                       <a:r>
-                        <a:rPr lang="en-US" altLang="ko-KR" sz="1500" b="1" kern="0" spc="0">
+                        <a:rPr lang="en-US" altLang="ko-KR" sz="1500" b="1" kern="0" spc="0" dirty="0">
                           <a:solidFill>
                             <a:schemeClr val="bg1"/>
                           </a:solidFill>
@@ -12471,7 +12423,7 @@
                         <a:t>(</a:t>
                       </a:r>
                       <a:r>
-                        <a:rPr lang="ko-KR" altLang="en-US" sz="1500" b="1" kern="0" spc="0">
+                        <a:rPr lang="ko-KR" altLang="en-US" sz="1500" b="1" kern="0" spc="0" dirty="0">
                           <a:solidFill>
                             <a:schemeClr val="bg1"/>
                           </a:solidFill>
@@ -12482,7 +12434,7 @@
                         <a:t>℃</a:t>
                       </a:r>
                       <a:r>
-                        <a:rPr lang="en-US" altLang="ko-KR" sz="1500" b="1" kern="0" spc="0">
+                        <a:rPr lang="en-US" altLang="ko-KR" sz="1500" b="1" kern="0" spc="0" dirty="0">
                           <a:solidFill>
                             <a:schemeClr val="bg1"/>
                           </a:solidFill>
@@ -12492,7 +12444,7 @@
                         </a:rPr>
                         <a:t>)</a:t>
                       </a:r>
-                      <a:endParaRPr lang="ko-KR" altLang="en-US" sz="1500" kern="0" spc="0">
+                      <a:endParaRPr lang="ko-KR" altLang="en-US" sz="1500" kern="0" spc="0" dirty="0">
                         <a:solidFill>
                           <a:schemeClr val="bg1"/>
                         </a:solidFill>
@@ -12504,7 +12456,7 @@
                   <a:tcPr marL="64770" marR="64770" marT="17907" marB="17907" anchor="ctr">
                     <a:lnL w="12700" cap="flat" cmpd="sng" algn="ctr">
                       <a:solidFill>
-                        <a:schemeClr val="tx1"/>
+                        <a:schemeClr val="bg1"/>
                       </a:solidFill>
                       <a:prstDash val="solid"/>
                       <a:round/>
@@ -12513,7 +12465,7 @@
                     </a:lnL>
                     <a:lnR w="12700" cap="flat" cmpd="sng" algn="ctr">
                       <a:solidFill>
-                        <a:schemeClr val="tx1"/>
+                        <a:schemeClr val="bg1"/>
                       </a:solidFill>
                       <a:prstDash val="solid"/>
                       <a:round/>
@@ -12522,7 +12474,7 @@
                     </a:lnR>
                     <a:lnT w="12700" cap="flat" cmpd="sng" algn="ctr">
                       <a:solidFill>
-                        <a:schemeClr val="tx1"/>
+                        <a:schemeClr val="bg1"/>
                       </a:solidFill>
                       <a:prstDash val="solid"/>
                       <a:round/>
@@ -12531,13 +12483,21 @@
                     </a:lnT>
                     <a:lnB w="12700" cap="flat" cmpd="sng" algn="ctr">
                       <a:solidFill>
-                        <a:schemeClr val="tx1"/>
+                        <a:schemeClr val="bg1"/>
                       </a:solidFill>
                       <a:prstDash val="solid"/>
                       <a:round/>
                       <a:headEnd type="none" w="med" len="med"/>
                       <a:tailEnd type="none" w="med" len="med"/>
                     </a:lnB>
+                    <a:lnTlToBr w="12700" cmpd="sng">
+                      <a:noFill/>
+                      <a:prstDash val="solid"/>
+                    </a:lnTlToBr>
+                    <a:lnBlToTr w="12700" cmpd="sng">
+                      <a:noFill/>
+                      <a:prstDash val="solid"/>
+                    </a:lnBlToTr>
                   </a:tcPr>
                 </a:tc>
                 <a:tc>
@@ -12557,7 +12517,7 @@
                         </a:spcAft>
                       </a:pPr>
                       <a:r>
-                        <a:rPr lang="en-US" sz="1500" b="1" kern="0" spc="0">
+                        <a:rPr lang="en-US" sz="1500" b="1" kern="0" spc="0" dirty="0">
                           <a:solidFill>
                             <a:schemeClr val="bg1"/>
                           </a:solidFill>
@@ -12567,7 +12527,7 @@
                         </a:rPr>
                         <a:t>-20</a:t>
                       </a:r>
-                      <a:endParaRPr lang="en-US" sz="1500" kern="0" spc="0">
+                      <a:endParaRPr lang="en-US" sz="1500" kern="0" spc="0" dirty="0">
                         <a:solidFill>
                           <a:schemeClr val="bg1"/>
                         </a:solidFill>
@@ -12579,7 +12539,7 @@
                   <a:tcPr marL="64770" marR="64770" marT="17907" marB="17907" anchor="ctr">
                     <a:lnL w="12700" cap="flat" cmpd="sng" algn="ctr">
                       <a:solidFill>
-                        <a:schemeClr val="tx1"/>
+                        <a:schemeClr val="bg1"/>
                       </a:solidFill>
                       <a:prstDash val="solid"/>
                       <a:round/>
@@ -12588,7 +12548,7 @@
                     </a:lnL>
                     <a:lnR w="12700" cap="flat" cmpd="sng" algn="ctr">
                       <a:solidFill>
-                        <a:schemeClr val="tx1"/>
+                        <a:schemeClr val="bg1"/>
                       </a:solidFill>
                       <a:prstDash val="solid"/>
                       <a:round/>
@@ -12597,7 +12557,7 @@
                     </a:lnR>
                     <a:lnT w="12700" cap="flat" cmpd="sng" algn="ctr">
                       <a:solidFill>
-                        <a:schemeClr val="tx1"/>
+                        <a:schemeClr val="bg1"/>
                       </a:solidFill>
                       <a:prstDash val="solid"/>
                       <a:round/>
@@ -12606,13 +12566,21 @@
                     </a:lnT>
                     <a:lnB w="12700" cap="flat" cmpd="sng" algn="ctr">
                       <a:solidFill>
-                        <a:schemeClr val="tx1"/>
+                        <a:schemeClr val="bg1"/>
                       </a:solidFill>
                       <a:prstDash val="solid"/>
                       <a:round/>
                       <a:headEnd type="none" w="med" len="med"/>
                       <a:tailEnd type="none" w="med" len="med"/>
                     </a:lnB>
+                    <a:lnTlToBr w="12700" cmpd="sng">
+                      <a:noFill/>
+                      <a:prstDash val="solid"/>
+                    </a:lnTlToBr>
+                    <a:lnBlToTr w="12700" cmpd="sng">
+                      <a:noFill/>
+                      <a:prstDash val="solid"/>
+                    </a:lnBlToTr>
                   </a:tcPr>
                 </a:tc>
                 <a:tc>
@@ -12654,7 +12622,7 @@
                   <a:tcPr marL="64770" marR="64770" marT="17907" marB="17907" anchor="ctr">
                     <a:lnL w="12700" cap="flat" cmpd="sng" algn="ctr">
                       <a:solidFill>
-                        <a:schemeClr val="tx1"/>
+                        <a:schemeClr val="bg1"/>
                       </a:solidFill>
                       <a:prstDash val="solid"/>
                       <a:round/>
@@ -12663,7 +12631,7 @@
                     </a:lnL>
                     <a:lnR w="12700" cap="flat" cmpd="sng" algn="ctr">
                       <a:solidFill>
-                        <a:schemeClr val="tx1"/>
+                        <a:schemeClr val="bg1"/>
                       </a:solidFill>
                       <a:prstDash val="solid"/>
                       <a:round/>
@@ -12672,7 +12640,7 @@
                     </a:lnR>
                     <a:lnT w="12700" cap="flat" cmpd="sng" algn="ctr">
                       <a:solidFill>
-                        <a:schemeClr val="tx1"/>
+                        <a:schemeClr val="bg1"/>
                       </a:solidFill>
                       <a:prstDash val="solid"/>
                       <a:round/>
@@ -12681,13 +12649,21 @@
                     </a:lnT>
                     <a:lnB w="12700" cap="flat" cmpd="sng" algn="ctr">
                       <a:solidFill>
-                        <a:schemeClr val="tx1"/>
+                        <a:schemeClr val="bg1"/>
                       </a:solidFill>
                       <a:prstDash val="solid"/>
                       <a:round/>
                       <a:headEnd type="none" w="med" len="med"/>
                       <a:tailEnd type="none" w="med" len="med"/>
                     </a:lnB>
+                    <a:lnTlToBr w="12700" cmpd="sng">
+                      <a:noFill/>
+                      <a:prstDash val="solid"/>
+                    </a:lnTlToBr>
+                    <a:lnBlToTr w="12700" cmpd="sng">
+                      <a:noFill/>
+                      <a:prstDash val="solid"/>
+                    </a:lnBlToTr>
                   </a:tcPr>
                 </a:tc>
                 <a:tc>
@@ -12729,7 +12705,7 @@
                   <a:tcPr marL="64770" marR="64770" marT="17907" marB="17907" anchor="ctr">
                     <a:lnL w="12700" cap="flat" cmpd="sng" algn="ctr">
                       <a:solidFill>
-                        <a:schemeClr val="tx1"/>
+                        <a:schemeClr val="bg1"/>
                       </a:solidFill>
                       <a:prstDash val="solid"/>
                       <a:round/>
@@ -12738,7 +12714,7 @@
                     </a:lnL>
                     <a:lnR w="12700" cap="flat" cmpd="sng" algn="ctr">
                       <a:solidFill>
-                        <a:schemeClr val="tx1"/>
+                        <a:schemeClr val="bg1"/>
                       </a:solidFill>
                       <a:prstDash val="solid"/>
                       <a:round/>
@@ -12747,7 +12723,7 @@
                     </a:lnR>
                     <a:lnT w="12700" cap="flat" cmpd="sng" algn="ctr">
                       <a:solidFill>
-                        <a:schemeClr val="tx1"/>
+                        <a:schemeClr val="bg1"/>
                       </a:solidFill>
                       <a:prstDash val="solid"/>
                       <a:round/>
@@ -12756,13 +12732,21 @@
                     </a:lnT>
                     <a:lnB w="12700" cap="flat" cmpd="sng" algn="ctr">
                       <a:solidFill>
-                        <a:schemeClr val="tx1"/>
+                        <a:schemeClr val="bg1"/>
                       </a:solidFill>
                       <a:prstDash val="solid"/>
                       <a:round/>
                       <a:headEnd type="none" w="med" len="med"/>
                       <a:tailEnd type="none" w="med" len="med"/>
                     </a:lnB>
+                    <a:lnTlToBr w="12700" cmpd="sng">
+                      <a:noFill/>
+                      <a:prstDash val="solid"/>
+                    </a:lnTlToBr>
+                    <a:lnBlToTr w="12700" cmpd="sng">
+                      <a:noFill/>
+                      <a:prstDash val="solid"/>
+                    </a:lnBlToTr>
                   </a:tcPr>
                 </a:tc>
                 <a:tc>
@@ -12804,7 +12788,7 @@
                   <a:tcPr marL="64770" marR="64770" marT="17907" marB="17907" anchor="ctr">
                     <a:lnL w="12700" cap="flat" cmpd="sng" algn="ctr">
                       <a:solidFill>
-                        <a:schemeClr val="tx1"/>
+                        <a:schemeClr val="bg1"/>
                       </a:solidFill>
                       <a:prstDash val="solid"/>
                       <a:round/>
@@ -12813,7 +12797,7 @@
                     </a:lnL>
                     <a:lnR w="12700" cap="flat" cmpd="sng" algn="ctr">
                       <a:solidFill>
-                        <a:schemeClr val="tx1"/>
+                        <a:schemeClr val="bg1"/>
                       </a:solidFill>
                       <a:prstDash val="solid"/>
                       <a:round/>
@@ -12822,7 +12806,7 @@
                     </a:lnR>
                     <a:lnT w="12700" cap="flat" cmpd="sng" algn="ctr">
                       <a:solidFill>
-                        <a:schemeClr val="tx1"/>
+                        <a:schemeClr val="bg1"/>
                       </a:solidFill>
                       <a:prstDash val="solid"/>
                       <a:round/>
@@ -12831,13 +12815,21 @@
                     </a:lnT>
                     <a:lnB w="12700" cap="flat" cmpd="sng" algn="ctr">
                       <a:solidFill>
-                        <a:schemeClr val="tx1"/>
+                        <a:schemeClr val="bg1"/>
                       </a:solidFill>
                       <a:prstDash val="solid"/>
                       <a:round/>
                       <a:headEnd type="none" w="med" len="med"/>
                       <a:tailEnd type="none" w="med" len="med"/>
                     </a:lnB>
+                    <a:lnTlToBr w="12700" cmpd="sng">
+                      <a:noFill/>
+                      <a:prstDash val="solid"/>
+                    </a:lnTlToBr>
+                    <a:lnBlToTr w="12700" cmpd="sng">
+                      <a:noFill/>
+                      <a:prstDash val="solid"/>
+                    </a:lnBlToTr>
                   </a:tcPr>
                 </a:tc>
                 <a:tc>
@@ -12879,7 +12871,7 @@
                   <a:tcPr marL="64770" marR="64770" marT="17907" marB="17907" anchor="ctr">
                     <a:lnL w="12700" cap="flat" cmpd="sng" algn="ctr">
                       <a:solidFill>
-                        <a:schemeClr val="tx1"/>
+                        <a:schemeClr val="bg1"/>
                       </a:solidFill>
                       <a:prstDash val="solid"/>
                       <a:round/>
@@ -12888,7 +12880,7 @@
                     </a:lnL>
                     <a:lnR w="12700" cap="flat" cmpd="sng" algn="ctr">
                       <a:solidFill>
-                        <a:schemeClr val="tx1"/>
+                        <a:schemeClr val="bg1"/>
                       </a:solidFill>
                       <a:prstDash val="solid"/>
                       <a:round/>
@@ -12897,7 +12889,7 @@
                     </a:lnR>
                     <a:lnT w="12700" cap="flat" cmpd="sng" algn="ctr">
                       <a:solidFill>
-                        <a:schemeClr val="tx1"/>
+                        <a:schemeClr val="bg1"/>
                       </a:solidFill>
                       <a:prstDash val="solid"/>
                       <a:round/>
@@ -12906,13 +12898,21 @@
                     </a:lnT>
                     <a:lnB w="12700" cap="flat" cmpd="sng" algn="ctr">
                       <a:solidFill>
-                        <a:schemeClr val="tx1"/>
+                        <a:schemeClr val="bg1"/>
                       </a:solidFill>
                       <a:prstDash val="solid"/>
                       <a:round/>
                       <a:headEnd type="none" w="med" len="med"/>
                       <a:tailEnd type="none" w="med" len="med"/>
                     </a:lnB>
+                    <a:lnTlToBr w="12700" cmpd="sng">
+                      <a:noFill/>
+                      <a:prstDash val="solid"/>
+                    </a:lnTlToBr>
+                    <a:lnBlToTr w="12700" cmpd="sng">
+                      <a:noFill/>
+                      <a:prstDash val="solid"/>
+                    </a:lnBlToTr>
                   </a:tcPr>
                 </a:tc>
                 <a:tc>
@@ -12954,7 +12954,7 @@
                   <a:tcPr marL="64770" marR="64770" marT="17907" marB="17907" anchor="ctr">
                     <a:lnL w="12700" cap="flat" cmpd="sng" algn="ctr">
                       <a:solidFill>
-                        <a:schemeClr val="tx1"/>
+                        <a:schemeClr val="bg1"/>
                       </a:solidFill>
                       <a:prstDash val="solid"/>
                       <a:round/>
@@ -12963,7 +12963,7 @@
                     </a:lnL>
                     <a:lnR w="12700" cap="flat" cmpd="sng" algn="ctr">
                       <a:solidFill>
-                        <a:schemeClr val="tx1"/>
+                        <a:schemeClr val="bg1"/>
                       </a:solidFill>
                       <a:prstDash val="solid"/>
                       <a:round/>
@@ -12972,7 +12972,7 @@
                     </a:lnR>
                     <a:lnT w="12700" cap="flat" cmpd="sng" algn="ctr">
                       <a:solidFill>
-                        <a:schemeClr val="tx1"/>
+                        <a:schemeClr val="bg1"/>
                       </a:solidFill>
                       <a:prstDash val="solid"/>
                       <a:round/>
@@ -12981,13 +12981,21 @@
                     </a:lnT>
                     <a:lnB w="12700" cap="flat" cmpd="sng" algn="ctr">
                       <a:solidFill>
-                        <a:schemeClr val="tx1"/>
+                        <a:schemeClr val="bg1"/>
                       </a:solidFill>
                       <a:prstDash val="solid"/>
                       <a:round/>
                       <a:headEnd type="none" w="med" len="med"/>
                       <a:tailEnd type="none" w="med" len="med"/>
                     </a:lnB>
+                    <a:lnTlToBr w="12700" cmpd="sng">
+                      <a:noFill/>
+                      <a:prstDash val="solid"/>
+                    </a:lnTlToBr>
+                    <a:lnBlToTr w="12700" cmpd="sng">
+                      <a:noFill/>
+                      <a:prstDash val="solid"/>
+                    </a:lnBlToTr>
                   </a:tcPr>
                 </a:tc>
                 <a:tc>
@@ -13029,7 +13037,7 @@
                   <a:tcPr marL="64770" marR="64770" marT="17907" marB="17907" anchor="ctr">
                     <a:lnL w="12700" cap="flat" cmpd="sng" algn="ctr">
                       <a:solidFill>
-                        <a:schemeClr val="tx1"/>
+                        <a:schemeClr val="bg1"/>
                       </a:solidFill>
                       <a:prstDash val="solid"/>
                       <a:round/>
@@ -13038,7 +13046,7 @@
                     </a:lnL>
                     <a:lnR w="12700" cap="flat" cmpd="sng" algn="ctr">
                       <a:solidFill>
-                        <a:schemeClr val="tx1"/>
+                        <a:schemeClr val="bg1"/>
                       </a:solidFill>
                       <a:prstDash val="solid"/>
                       <a:round/>
@@ -13047,7 +13055,7 @@
                     </a:lnR>
                     <a:lnT w="12700" cap="flat" cmpd="sng" algn="ctr">
                       <a:solidFill>
-                        <a:schemeClr val="tx1"/>
+                        <a:schemeClr val="bg1"/>
                       </a:solidFill>
                       <a:prstDash val="solid"/>
                       <a:round/>
@@ -13056,13 +13064,21 @@
                     </a:lnT>
                     <a:lnB w="12700" cap="flat" cmpd="sng" algn="ctr">
                       <a:solidFill>
-                        <a:schemeClr val="tx1"/>
+                        <a:schemeClr val="bg1"/>
                       </a:solidFill>
                       <a:prstDash val="solid"/>
                       <a:round/>
                       <a:headEnd type="none" w="med" len="med"/>
                       <a:tailEnd type="none" w="med" len="med"/>
                     </a:lnB>
+                    <a:lnTlToBr w="12700" cmpd="sng">
+                      <a:noFill/>
+                      <a:prstDash val="solid"/>
+                    </a:lnTlToBr>
+                    <a:lnBlToTr w="12700" cmpd="sng">
+                      <a:noFill/>
+                      <a:prstDash val="solid"/>
+                    </a:lnBlToTr>
                   </a:tcPr>
                 </a:tc>
                 <a:tc>
@@ -13104,7 +13120,7 @@
                   <a:tcPr marL="64770" marR="64770" marT="17907" marB="17907" anchor="ctr">
                     <a:lnL w="12700" cap="flat" cmpd="sng" algn="ctr">
                       <a:solidFill>
-                        <a:schemeClr val="tx1"/>
+                        <a:schemeClr val="bg1"/>
                       </a:solidFill>
                       <a:prstDash val="solid"/>
                       <a:round/>
@@ -13113,7 +13129,7 @@
                     </a:lnL>
                     <a:lnR w="12700" cap="flat" cmpd="sng" algn="ctr">
                       <a:solidFill>
-                        <a:schemeClr val="tx1"/>
+                        <a:schemeClr val="bg1"/>
                       </a:solidFill>
                       <a:prstDash val="solid"/>
                       <a:round/>
@@ -13122,7 +13138,7 @@
                     </a:lnR>
                     <a:lnT w="12700" cap="flat" cmpd="sng" algn="ctr">
                       <a:solidFill>
-                        <a:schemeClr val="tx1"/>
+                        <a:schemeClr val="bg1"/>
                       </a:solidFill>
                       <a:prstDash val="solid"/>
                       <a:round/>
@@ -13131,13 +13147,21 @@
                     </a:lnT>
                     <a:lnB w="12700" cap="flat" cmpd="sng" algn="ctr">
                       <a:solidFill>
-                        <a:schemeClr val="tx1"/>
+                        <a:schemeClr val="bg1"/>
                       </a:solidFill>
                       <a:prstDash val="solid"/>
                       <a:round/>
                       <a:headEnd type="none" w="med" len="med"/>
                       <a:tailEnd type="none" w="med" len="med"/>
                     </a:lnB>
+                    <a:lnTlToBr w="12700" cmpd="sng">
+                      <a:noFill/>
+                      <a:prstDash val="solid"/>
+                    </a:lnTlToBr>
+                    <a:lnBlToTr w="12700" cmpd="sng">
+                      <a:noFill/>
+                      <a:prstDash val="solid"/>
+                    </a:lnBlToTr>
                   </a:tcPr>
                 </a:tc>
                 <a:tc>
@@ -13179,7 +13203,7 @@
                   <a:tcPr marL="64770" marR="64770" marT="17907" marB="17907" anchor="ctr">
                     <a:lnL w="12700" cap="flat" cmpd="sng" algn="ctr">
                       <a:solidFill>
-                        <a:schemeClr val="tx1"/>
+                        <a:schemeClr val="bg1"/>
                       </a:solidFill>
                       <a:prstDash val="solid"/>
                       <a:round/>
@@ -13188,7 +13212,7 @@
                     </a:lnL>
                     <a:lnR w="12700" cap="flat" cmpd="sng" algn="ctr">
                       <a:solidFill>
-                        <a:schemeClr val="tx1"/>
+                        <a:schemeClr val="bg1"/>
                       </a:solidFill>
                       <a:prstDash val="solid"/>
                       <a:round/>
@@ -13197,7 +13221,7 @@
                     </a:lnR>
                     <a:lnT w="12700" cap="flat" cmpd="sng" algn="ctr">
                       <a:solidFill>
-                        <a:schemeClr val="tx1"/>
+                        <a:schemeClr val="bg1"/>
                       </a:solidFill>
                       <a:prstDash val="solid"/>
                       <a:round/>
@@ -13206,13 +13230,21 @@
                     </a:lnT>
                     <a:lnB w="12700" cap="flat" cmpd="sng" algn="ctr">
                       <a:solidFill>
-                        <a:schemeClr val="tx1"/>
+                        <a:schemeClr val="bg1"/>
                       </a:solidFill>
                       <a:prstDash val="solid"/>
                       <a:round/>
                       <a:headEnd type="none" w="med" len="med"/>
                       <a:tailEnd type="none" w="med" len="med"/>
                     </a:lnB>
+                    <a:lnTlToBr w="12700" cmpd="sng">
+                      <a:noFill/>
+                      <a:prstDash val="solid"/>
+                    </a:lnTlToBr>
+                    <a:lnBlToTr w="12700" cmpd="sng">
+                      <a:noFill/>
+                      <a:prstDash val="solid"/>
+                    </a:lnBlToTr>
                   </a:tcPr>
                 </a:tc>
                 <a:extLst>
@@ -14757,8 +14789,8 @@
         </p:nvSpPr>
         <p:spPr>
           <a:xfrm>
-            <a:off x="6011148" y="1875813"/>
-            <a:ext cx="5619378" cy="3539430"/>
+            <a:off x="6011148" y="2501826"/>
+            <a:ext cx="5619378" cy="2031325"/>
           </a:xfrm>
           <a:prstGeom prst="rect">
             <a:avLst/>
@@ -14776,7 +14808,7 @@
               <a:buChar char="•"/>
             </a:pPr>
             <a:r>
-              <a:rPr lang="ko-KR" altLang="en-US" sz="3200" dirty="0" smtClean="0">
+              <a:rPr lang="ko-KR" altLang="en-US" dirty="0" smtClean="0">
                 <a:solidFill>
                   <a:schemeClr val="bg1"/>
                 </a:solidFill>
@@ -14785,7 +14817,7 @@
               </a:rPr>
               <a:t>잉크 표시 추가</a:t>
             </a:r>
-            <a:endParaRPr lang="en-US" altLang="ko-KR" sz="3200" dirty="0" smtClean="0">
+            <a:endParaRPr lang="en-US" altLang="ko-KR" dirty="0" smtClean="0">
               <a:solidFill>
                 <a:schemeClr val="bg1"/>
               </a:solidFill>
@@ -14798,7 +14830,7 @@
               <a:buFont typeface="Arial" panose="020B0604020202020204" pitchFamily="34" charset="0"/>
               <a:buChar char="•"/>
             </a:pPr>
-            <a:endParaRPr lang="en-US" altLang="ko-KR" sz="3200" dirty="0">
+            <a:endParaRPr lang="en-US" altLang="ko-KR" dirty="0">
               <a:solidFill>
                 <a:schemeClr val="bg1"/>
               </a:solidFill>
@@ -14812,7 +14844,7 @@
               <a:buChar char="•"/>
             </a:pPr>
             <a:r>
-              <a:rPr lang="en-US" altLang="ko-KR" sz="3200" dirty="0" smtClean="0">
+              <a:rPr lang="en-US" altLang="ko-KR" dirty="0" smtClean="0">
                 <a:solidFill>
                   <a:schemeClr val="bg1"/>
                 </a:solidFill>
@@ -14822,7 +14854,7 @@
               <a:t>GPS </a:t>
             </a:r>
             <a:r>
-              <a:rPr lang="ko-KR" altLang="en-US" sz="3200" dirty="0" smtClean="0">
+              <a:rPr lang="ko-KR" altLang="en-US" dirty="0" smtClean="0">
                 <a:solidFill>
                   <a:schemeClr val="bg1"/>
                 </a:solidFill>
@@ -14831,7 +14863,7 @@
               </a:rPr>
               <a:t>장착</a:t>
             </a:r>
-            <a:endParaRPr lang="en-US" altLang="ko-KR" sz="3200" dirty="0" smtClean="0">
+            <a:endParaRPr lang="en-US" altLang="ko-KR" dirty="0" smtClean="0">
               <a:solidFill>
                 <a:schemeClr val="bg1"/>
               </a:solidFill>
@@ -14844,7 +14876,7 @@
               <a:buFont typeface="Arial" panose="020B0604020202020204" pitchFamily="34" charset="0"/>
               <a:buChar char="•"/>
             </a:pPr>
-            <a:endParaRPr lang="en-US" altLang="ko-KR" sz="3200" dirty="0">
+            <a:endParaRPr lang="en-US" altLang="ko-KR" dirty="0">
               <a:solidFill>
                 <a:schemeClr val="bg1"/>
               </a:solidFill>
@@ -14858,7 +14890,7 @@
               <a:buChar char="•"/>
             </a:pPr>
             <a:r>
-              <a:rPr lang="ko-KR" altLang="en-US" sz="3200" dirty="0" smtClean="0">
+              <a:rPr lang="ko-KR" altLang="en-US" dirty="0" smtClean="0">
                 <a:solidFill>
                   <a:schemeClr val="bg1"/>
                 </a:solidFill>
@@ -14867,7 +14899,7 @@
               </a:rPr>
               <a:t>설치 간소화</a:t>
             </a:r>
-            <a:endParaRPr lang="en-US" altLang="ko-KR" sz="3200" dirty="0" smtClean="0">
+            <a:endParaRPr lang="en-US" altLang="ko-KR" dirty="0" smtClean="0">
               <a:solidFill>
                 <a:schemeClr val="bg1"/>
               </a:solidFill>
@@ -14880,7 +14912,7 @@
               <a:buFont typeface="Arial" panose="020B0604020202020204" pitchFamily="34" charset="0"/>
               <a:buChar char="•"/>
             </a:pPr>
-            <a:endParaRPr lang="en-US" altLang="ko-KR" sz="3200" dirty="0">
+            <a:endParaRPr lang="en-US" altLang="ko-KR" dirty="0">
               <a:solidFill>
                 <a:schemeClr val="bg1"/>
               </a:solidFill>
@@ -14894,7 +14926,7 @@
               <a:buChar char="•"/>
             </a:pPr>
             <a:r>
-              <a:rPr lang="ko-KR" altLang="en-US" sz="3200" dirty="0" smtClean="0">
+              <a:rPr lang="ko-KR" altLang="en-US" dirty="0" smtClean="0">
                 <a:solidFill>
                   <a:schemeClr val="bg1"/>
                 </a:solidFill>
@@ -14903,7 +14935,7 @@
               </a:rPr>
               <a:t>큰 규모</a:t>
             </a:r>
-            <a:endParaRPr lang="ko-KR" altLang="en-US" sz="3200" dirty="0">
+            <a:endParaRPr lang="ko-KR" altLang="en-US" dirty="0">
               <a:solidFill>
                 <a:schemeClr val="bg1"/>
               </a:solidFill>
@@ -15174,7 +15206,7 @@
         <p:spPr>
           <a:xfrm>
             <a:off x="888557" y="265928"/>
-            <a:ext cx="3812262" cy="523220"/>
+            <a:ext cx="1800493" cy="523220"/>
           </a:xfrm>
           <a:prstGeom prst="rect">
             <a:avLst/>
@@ -15195,9 +15227,19 @@
                 <a:latin typeface="KoPub돋움체 Light" panose="02020603020101020101" pitchFamily="18" charset="-127"/>
                 <a:ea typeface="KoPub돋움체 Light" panose="02020603020101020101" pitchFamily="18" charset="-127"/>
               </a:rPr>
-              <a:t>작품의 요구 및 성능 요약</a:t>
-            </a:r>
-            <a:endParaRPr lang="en-US" altLang="ko-KR" sz="2800" dirty="0">
+              <a:t>개념 </a:t>
+            </a:r>
+            <a:r>
+              <a:rPr lang="ko-KR" altLang="en-US" sz="2800" dirty="0" smtClean="0">
+                <a:solidFill>
+                  <a:schemeClr val="bg1"/>
+                </a:solidFill>
+                <a:latin typeface="KoPub돋움체 Light" panose="02020603020101020101" pitchFamily="18" charset="-127"/>
+                <a:ea typeface="KoPub돋움체 Light" panose="02020603020101020101" pitchFamily="18" charset="-127"/>
+              </a:rPr>
+              <a:t>설계</a:t>
+            </a:r>
+            <a:endParaRPr lang="en-US" altLang="ko-KR" sz="2800" dirty="0" smtClean="0">
               <a:solidFill>
                 <a:schemeClr val="bg1"/>
               </a:solidFill>
@@ -15207,198 +15249,9 @@
           </a:p>
         </p:txBody>
       </p:sp>
-      <p:sp>
-        <p:nvSpPr>
-          <p:cNvPr id="2" name="Rectangle 2"/>
-          <p:cNvSpPr>
-            <a:spLocks noChangeArrowheads="1"/>
-          </p:cNvSpPr>
-          <p:nvPr/>
-        </p:nvSpPr>
-        <p:spPr bwMode="auto">
-          <a:xfrm>
-            <a:off x="888557" y="1250913"/>
-            <a:ext cx="12192000" cy="457200"/>
-          </a:xfrm>
-          <a:prstGeom prst="rect">
-            <a:avLst/>
-          </a:prstGeom>
-          <a:noFill/>
-          <a:ln>
-            <a:noFill/>
-          </a:ln>
-          <a:effectLst/>
-          <a:extLst>
-            <a:ext uri="{909E8E84-426E-40DD-AFC4-6F175D3DCCD1}">
-              <a14:hiddenFill xmlns:a14="http://schemas.microsoft.com/office/drawing/2010/main">
-                <a:solidFill>
-                  <a:schemeClr val="accent1"/>
-                </a:solidFill>
-              </a14:hiddenFill>
-            </a:ext>
-            <a:ext uri="{91240B29-F687-4F45-9708-019B960494DF}">
-              <a14:hiddenLine xmlns:a14="http://schemas.microsoft.com/office/drawing/2010/main" w="9525">
-                <a:solidFill>
-                  <a:schemeClr val="tx1"/>
-                </a:solidFill>
-                <a:miter lim="800000"/>
-                <a:headEnd/>
-                <a:tailEnd/>
-              </a14:hiddenLine>
-            </a:ext>
-            <a:ext uri="{AF507438-7753-43E0-B8FC-AC1667EBCBE1}">
-              <a14:hiddenEffects xmlns:a14="http://schemas.microsoft.com/office/drawing/2010/main">
-                <a:effectLst>
-                  <a:outerShdw dist="35921" dir="2700000" algn="ctr" rotWithShape="0">
-                    <a:schemeClr val="bg2"/>
-                  </a:outerShdw>
-                </a:effectLst>
-              </a14:hiddenEffects>
-            </a:ext>
-          </a:extLst>
-        </p:spPr>
-        <p:txBody>
-          <a:bodyPr vert="horz" wrap="none" lIns="91440" tIns="45720" rIns="91440" bIns="45720" numCol="1" anchor="ctr" anchorCtr="0" compatLnSpc="1">
-            <a:prstTxWarp prst="textNoShape">
-              <a:avLst/>
-            </a:prstTxWarp>
-            <a:spAutoFit/>
-          </a:bodyPr>
-          <a:lstStyle/>
-          <a:p>
-            <a:endParaRPr lang="ko-KR" altLang="en-US"/>
-          </a:p>
-        </p:txBody>
-      </p:sp>
-      <p:sp>
-        <p:nvSpPr>
-          <p:cNvPr id="3" name="Rectangle 4"/>
-          <p:cNvSpPr>
-            <a:spLocks noChangeArrowheads="1"/>
-          </p:cNvSpPr>
-          <p:nvPr/>
-        </p:nvSpPr>
-        <p:spPr bwMode="auto">
-          <a:xfrm>
-            <a:off x="5229726" y="1250913"/>
-            <a:ext cx="12192000" cy="457200"/>
-          </a:xfrm>
-          <a:prstGeom prst="rect">
-            <a:avLst/>
-          </a:prstGeom>
-          <a:noFill/>
-          <a:ln>
-            <a:noFill/>
-          </a:ln>
-          <a:effectLst/>
-          <a:extLst>
-            <a:ext uri="{909E8E84-426E-40DD-AFC4-6F175D3DCCD1}">
-              <a14:hiddenFill xmlns:a14="http://schemas.microsoft.com/office/drawing/2010/main">
-                <a:solidFill>
-                  <a:schemeClr val="accent1"/>
-                </a:solidFill>
-              </a14:hiddenFill>
-            </a:ext>
-            <a:ext uri="{91240B29-F687-4F45-9708-019B960494DF}">
-              <a14:hiddenLine xmlns:a14="http://schemas.microsoft.com/office/drawing/2010/main" w="9525">
-                <a:solidFill>
-                  <a:schemeClr val="tx1"/>
-                </a:solidFill>
-                <a:miter lim="800000"/>
-                <a:headEnd/>
-                <a:tailEnd/>
-              </a14:hiddenLine>
-            </a:ext>
-            <a:ext uri="{AF507438-7753-43E0-B8FC-AC1667EBCBE1}">
-              <a14:hiddenEffects xmlns:a14="http://schemas.microsoft.com/office/drawing/2010/main">
-                <a:effectLst>
-                  <a:outerShdw dist="35921" dir="2700000" algn="ctr" rotWithShape="0">
-                    <a:schemeClr val="bg2"/>
-                  </a:outerShdw>
-                </a:effectLst>
-              </a14:hiddenEffects>
-            </a:ext>
-          </a:extLst>
-        </p:spPr>
-        <p:txBody>
-          <a:bodyPr vert="horz" wrap="none" lIns="91440" tIns="45720" rIns="91440" bIns="45720" numCol="1" anchor="ctr" anchorCtr="0" compatLnSpc="1">
-            <a:prstTxWarp prst="textNoShape">
-              <a:avLst/>
-            </a:prstTxWarp>
-            <a:spAutoFit/>
-          </a:bodyPr>
-          <a:lstStyle/>
-          <a:p>
-            <a:endParaRPr lang="ko-KR" altLang="en-US"/>
-          </a:p>
-        </p:txBody>
-      </p:sp>
-      <p:sp>
-        <p:nvSpPr>
-          <p:cNvPr id="4" name="Rectangle 6"/>
-          <p:cNvSpPr>
-            <a:spLocks noChangeArrowheads="1"/>
-          </p:cNvSpPr>
-          <p:nvPr/>
-        </p:nvSpPr>
-        <p:spPr bwMode="auto">
-          <a:xfrm>
-            <a:off x="0" y="0"/>
-            <a:ext cx="12192000" cy="457200"/>
-          </a:xfrm>
-          <a:prstGeom prst="rect">
-            <a:avLst/>
-          </a:prstGeom>
-          <a:noFill/>
-          <a:ln>
-            <a:noFill/>
-          </a:ln>
-          <a:effectLst/>
-          <a:extLst>
-            <a:ext uri="{909E8E84-426E-40DD-AFC4-6F175D3DCCD1}">
-              <a14:hiddenFill xmlns:a14="http://schemas.microsoft.com/office/drawing/2010/main">
-                <a:solidFill>
-                  <a:schemeClr val="accent1"/>
-                </a:solidFill>
-              </a14:hiddenFill>
-            </a:ext>
-            <a:ext uri="{91240B29-F687-4F45-9708-019B960494DF}">
-              <a14:hiddenLine xmlns:a14="http://schemas.microsoft.com/office/drawing/2010/main" w="9525">
-                <a:solidFill>
-                  <a:schemeClr val="tx1"/>
-                </a:solidFill>
-                <a:miter lim="800000"/>
-                <a:headEnd/>
-                <a:tailEnd/>
-              </a14:hiddenLine>
-            </a:ext>
-            <a:ext uri="{AF507438-7753-43E0-B8FC-AC1667EBCBE1}">
-              <a14:hiddenEffects xmlns:a14="http://schemas.microsoft.com/office/drawing/2010/main">
-                <a:effectLst>
-                  <a:outerShdw dist="35921" dir="2700000" algn="ctr" rotWithShape="0">
-                    <a:schemeClr val="bg2"/>
-                  </a:outerShdw>
-                </a:effectLst>
-              </a14:hiddenEffects>
-            </a:ext>
-          </a:extLst>
-        </p:spPr>
-        <p:txBody>
-          <a:bodyPr vert="horz" wrap="none" lIns="91440" tIns="45720" rIns="91440" bIns="45720" numCol="1" anchor="ctr" anchorCtr="0" compatLnSpc="1">
-            <a:prstTxWarp prst="textNoShape">
-              <a:avLst/>
-            </a:prstTxWarp>
-            <a:spAutoFit/>
-          </a:bodyPr>
-          <a:lstStyle/>
-          <a:p>
-            <a:endParaRPr lang="ko-KR" altLang="en-US"/>
-          </a:p>
-        </p:txBody>
-      </p:sp>
       <p:pic>
         <p:nvPicPr>
-          <p:cNvPr id="6" name="그림 5"/>
+          <p:cNvPr id="3" name="그림 2"/>
           <p:cNvPicPr>
             <a:picLocks noChangeAspect="1"/>
           </p:cNvPicPr>
@@ -15412,32 +15265,365 @@
         </p:blipFill>
         <p:spPr>
           <a:xfrm>
-            <a:off x="236707" y="1708113"/>
-            <a:ext cx="5774441" cy="3700800"/>
+            <a:off x="1111469" y="2109875"/>
+            <a:ext cx="4572000" cy="3486150"/>
           </a:xfrm>
           <a:prstGeom prst="rect">
             <a:avLst/>
           </a:prstGeom>
         </p:spPr>
       </p:pic>
+      <p:cxnSp>
+        <p:nvCxnSpPr>
+          <p:cNvPr id="6" name="직선 연결선 5"/>
+          <p:cNvCxnSpPr/>
+          <p:nvPr/>
+        </p:nvCxnSpPr>
+        <p:spPr>
+          <a:xfrm>
+            <a:off x="2768819" y="2809702"/>
+            <a:ext cx="556272" cy="423949"/>
+          </a:xfrm>
+          <a:prstGeom prst="line">
+            <a:avLst/>
+          </a:prstGeom>
+          <a:ln>
+            <a:solidFill>
+              <a:schemeClr val="accent2">
+                <a:lumMod val="75000"/>
+              </a:schemeClr>
+            </a:solidFill>
+            <a:headEnd type="arrow" w="med" len="med"/>
+            <a:tailEnd type="arrow" w="med" len="med"/>
+          </a:ln>
+        </p:spPr>
+        <p:style>
+          <a:lnRef idx="3">
+            <a:schemeClr val="accent1"/>
+          </a:lnRef>
+          <a:fillRef idx="0">
+            <a:schemeClr val="accent1"/>
+          </a:fillRef>
+          <a:effectRef idx="2">
+            <a:schemeClr val="accent1"/>
+          </a:effectRef>
+          <a:fontRef idx="minor">
+            <a:schemeClr val="tx1"/>
+          </a:fontRef>
+        </p:style>
+      </p:cxnSp>
+      <p:cxnSp>
+        <p:nvCxnSpPr>
+          <p:cNvPr id="8" name="직선 화살표 연결선 7"/>
+          <p:cNvCxnSpPr/>
+          <p:nvPr/>
+        </p:nvCxnSpPr>
+        <p:spPr>
+          <a:xfrm flipH="1">
+            <a:off x="2768819" y="2377440"/>
+            <a:ext cx="3844113" cy="365760"/>
+          </a:xfrm>
+          <a:prstGeom prst="straightConnector1">
+            <a:avLst/>
+          </a:prstGeom>
+          <a:ln>
+            <a:tailEnd type="triangle"/>
+          </a:ln>
+        </p:spPr>
+        <p:style>
+          <a:lnRef idx="1">
+            <a:schemeClr val="accent1"/>
+          </a:lnRef>
+          <a:fillRef idx="0">
+            <a:schemeClr val="accent1"/>
+          </a:fillRef>
+          <a:effectRef idx="0">
+            <a:schemeClr val="accent1"/>
+          </a:effectRef>
+          <a:fontRef idx="minor">
+            <a:schemeClr val="tx1"/>
+          </a:fontRef>
+        </p:style>
+      </p:cxnSp>
+      <p:sp>
+        <p:nvSpPr>
+          <p:cNvPr id="22" name="TextBox 21"/>
+          <p:cNvSpPr txBox="1"/>
+          <p:nvPr/>
+        </p:nvSpPr>
+        <p:spPr>
+          <a:xfrm>
+            <a:off x="6612932" y="2188945"/>
+            <a:ext cx="4326001" cy="2031325"/>
+          </a:xfrm>
+          <a:prstGeom prst="rect">
+            <a:avLst/>
+          </a:prstGeom>
+          <a:noFill/>
+        </p:spPr>
+        <p:txBody>
+          <a:bodyPr wrap="square" rtlCol="0">
+            <a:spAutoFit/>
+          </a:bodyPr>
+          <a:lstStyle/>
+          <a:p>
+            <a:pPr marL="342900" indent="-342900">
+              <a:buFont typeface="Arial" panose="020B0604020202020204" pitchFamily="34" charset="0"/>
+              <a:buChar char="•"/>
+            </a:pPr>
+            <a:r>
+              <a:rPr lang="ko-KR" altLang="en-US" dirty="0" smtClean="0">
+                <a:solidFill>
+                  <a:schemeClr val="bg1"/>
+                </a:solidFill>
+                <a:latin typeface="Meiryo" panose="020B0604030504040204" pitchFamily="34" charset="-128"/>
+                <a:cs typeface="Meiryo" panose="020B0604030504040204" pitchFamily="34" charset="-128"/>
+              </a:rPr>
+              <a:t>핸드폰 </a:t>
+            </a:r>
+            <a:r>
+              <a:rPr lang="ko-KR" altLang="en-US" dirty="0" err="1" smtClean="0">
+                <a:solidFill>
+                  <a:schemeClr val="bg1"/>
+                </a:solidFill>
+                <a:latin typeface="Meiryo" panose="020B0604030504040204" pitchFamily="34" charset="-128"/>
+                <a:cs typeface="Meiryo" panose="020B0604030504040204" pitchFamily="34" charset="-128"/>
+              </a:rPr>
+              <a:t>어플을</a:t>
+            </a:r>
+            <a:r>
+              <a:rPr lang="ko-KR" altLang="en-US" dirty="0" smtClean="0">
+                <a:solidFill>
+                  <a:schemeClr val="bg1"/>
+                </a:solidFill>
+                <a:latin typeface="Meiryo" panose="020B0604030504040204" pitchFamily="34" charset="-128"/>
+                <a:cs typeface="Meiryo" panose="020B0604030504040204" pitchFamily="34" charset="-128"/>
+              </a:rPr>
+              <a:t> 이용하여 원하는 이동 거리를 </a:t>
+            </a:r>
+            <a:r>
+              <a:rPr lang="ko-KR" altLang="en-US" dirty="0" smtClean="0">
+                <a:solidFill>
+                  <a:schemeClr val="bg1"/>
+                </a:solidFill>
+                <a:latin typeface="Meiryo" panose="020B0604030504040204" pitchFamily="34" charset="-128"/>
+                <a:cs typeface="Meiryo" panose="020B0604030504040204" pitchFamily="34" charset="-128"/>
+              </a:rPr>
+              <a:t>설정</a:t>
+            </a:r>
+            <a:endParaRPr lang="en-US" altLang="ko-KR" dirty="0" smtClean="0">
+              <a:solidFill>
+                <a:schemeClr val="bg1"/>
+              </a:solidFill>
+              <a:latin typeface="Meiryo" panose="020B0604030504040204" pitchFamily="34" charset="-128"/>
+              <a:cs typeface="Meiryo" panose="020B0604030504040204" pitchFamily="34" charset="-128"/>
+            </a:endParaRPr>
+          </a:p>
+          <a:p>
+            <a:pPr marL="342900" indent="-342900">
+              <a:buFont typeface="Arial" panose="020B0604020202020204" pitchFamily="34" charset="0"/>
+              <a:buChar char="•"/>
+            </a:pPr>
+            <a:endParaRPr lang="en-US" altLang="ko-KR" dirty="0">
+              <a:solidFill>
+                <a:schemeClr val="bg1"/>
+              </a:solidFill>
+              <a:latin typeface="Meiryo" panose="020B0604030504040204" pitchFamily="34" charset="-128"/>
+              <a:cs typeface="Meiryo" panose="020B0604030504040204" pitchFamily="34" charset="-128"/>
+            </a:endParaRPr>
+          </a:p>
+          <a:p>
+            <a:pPr marL="342900" indent="-342900">
+              <a:buFont typeface="Arial" panose="020B0604020202020204" pitchFamily="34" charset="0"/>
+              <a:buChar char="•"/>
+            </a:pPr>
+            <a:r>
+              <a:rPr lang="ko-KR" altLang="en-US" dirty="0" smtClean="0">
+                <a:solidFill>
+                  <a:schemeClr val="bg1"/>
+                </a:solidFill>
+                <a:latin typeface="Meiryo" panose="020B0604030504040204" pitchFamily="34" charset="-128"/>
+                <a:cs typeface="Meiryo" panose="020B0604030504040204" pitchFamily="34" charset="-128"/>
+              </a:rPr>
+              <a:t>상이한 온도 값 및 위치를 </a:t>
+            </a:r>
+            <a:r>
+              <a:rPr lang="ko-KR" altLang="en-US" dirty="0" smtClean="0">
+                <a:solidFill>
+                  <a:schemeClr val="bg1"/>
+                </a:solidFill>
+                <a:latin typeface="Meiryo" panose="020B0604030504040204" pitchFamily="34" charset="-128"/>
+                <a:cs typeface="Meiryo" panose="020B0604030504040204" pitchFamily="34" charset="-128"/>
+              </a:rPr>
+              <a:t>확인</a:t>
+            </a:r>
+            <a:endParaRPr lang="en-US" altLang="ko-KR" dirty="0" smtClean="0">
+              <a:solidFill>
+                <a:schemeClr val="bg1"/>
+              </a:solidFill>
+              <a:latin typeface="Meiryo" panose="020B0604030504040204" pitchFamily="34" charset="-128"/>
+              <a:cs typeface="Meiryo" panose="020B0604030504040204" pitchFamily="34" charset="-128"/>
+            </a:endParaRPr>
+          </a:p>
+          <a:p>
+            <a:pPr marL="342900" indent="-342900">
+              <a:buFont typeface="Arial" panose="020B0604020202020204" pitchFamily="34" charset="0"/>
+              <a:buChar char="•"/>
+            </a:pPr>
+            <a:endParaRPr lang="en-US" altLang="ko-KR" dirty="0">
+              <a:solidFill>
+                <a:schemeClr val="bg1"/>
+              </a:solidFill>
+              <a:latin typeface="Meiryo" panose="020B0604030504040204" pitchFamily="34" charset="-128"/>
+              <a:cs typeface="Meiryo" panose="020B0604030504040204" pitchFamily="34" charset="-128"/>
+            </a:endParaRPr>
+          </a:p>
+          <a:p>
+            <a:pPr marL="342900" indent="-342900">
+              <a:buFont typeface="Arial" panose="020B0604020202020204" pitchFamily="34" charset="0"/>
+              <a:buChar char="•"/>
+            </a:pPr>
+            <a:r>
+              <a:rPr lang="ko-KR" altLang="en-US" dirty="0" smtClean="0">
+                <a:solidFill>
+                  <a:schemeClr val="bg1"/>
+                </a:solidFill>
+                <a:latin typeface="Meiryo" panose="020B0604030504040204" pitchFamily="34" charset="-128"/>
+                <a:cs typeface="Meiryo" panose="020B0604030504040204" pitchFamily="34" charset="-128"/>
+              </a:rPr>
+              <a:t>상이한 온도 위치를 </a:t>
+            </a:r>
+            <a:r>
+              <a:rPr lang="en-US" altLang="ko-KR" dirty="0" smtClean="0">
+                <a:solidFill>
+                  <a:schemeClr val="bg1"/>
+                </a:solidFill>
+                <a:latin typeface="Meiryo" panose="020B0604030504040204" pitchFamily="34" charset="-128"/>
+                <a:cs typeface="Meiryo" panose="020B0604030504040204" pitchFamily="34" charset="-128"/>
+              </a:rPr>
+              <a:t>GPS</a:t>
+            </a:r>
+            <a:r>
+              <a:rPr lang="ko-KR" altLang="en-US" dirty="0" smtClean="0">
+                <a:solidFill>
+                  <a:schemeClr val="bg1"/>
+                </a:solidFill>
+                <a:latin typeface="Meiryo" panose="020B0604030504040204" pitchFamily="34" charset="-128"/>
+                <a:cs typeface="Meiryo" panose="020B0604030504040204" pitchFamily="34" charset="-128"/>
+              </a:rPr>
+              <a:t>를 통해 확인 및 잉크 분사</a:t>
+            </a:r>
+            <a:endParaRPr lang="en-US" altLang="ko-KR" dirty="0">
+              <a:solidFill>
+                <a:schemeClr val="bg1"/>
+              </a:solidFill>
+              <a:latin typeface="Meiryo" panose="020B0604030504040204" pitchFamily="34" charset="-128"/>
+              <a:cs typeface="Meiryo" panose="020B0604030504040204" pitchFamily="34" charset="-128"/>
+            </a:endParaRPr>
+          </a:p>
+        </p:txBody>
+      </p:sp>
+      <p:cxnSp>
+        <p:nvCxnSpPr>
+          <p:cNvPr id="11" name="직선 화살표 연결선 10"/>
+          <p:cNvCxnSpPr>
+            <a:stCxn id="22" idx="1"/>
+          </p:cNvCxnSpPr>
+          <p:nvPr/>
+        </p:nvCxnSpPr>
+        <p:spPr>
+          <a:xfrm flipH="1" flipV="1">
+            <a:off x="3167149" y="3021677"/>
+            <a:ext cx="3445783" cy="182931"/>
+          </a:xfrm>
+          <a:prstGeom prst="straightConnector1">
+            <a:avLst/>
+          </a:prstGeom>
+          <a:ln>
+            <a:tailEnd type="triangle"/>
+          </a:ln>
+        </p:spPr>
+        <p:style>
+          <a:lnRef idx="1">
+            <a:schemeClr val="accent1"/>
+          </a:lnRef>
+          <a:fillRef idx="0">
+            <a:schemeClr val="accent1"/>
+          </a:fillRef>
+          <a:effectRef idx="0">
+            <a:schemeClr val="accent1"/>
+          </a:effectRef>
+          <a:fontRef idx="minor">
+            <a:schemeClr val="tx1"/>
+          </a:fontRef>
+        </p:style>
+      </p:cxnSp>
+      <p:cxnSp>
+        <p:nvCxnSpPr>
+          <p:cNvPr id="14" name="직선 화살표 연결선 13"/>
+          <p:cNvCxnSpPr/>
+          <p:nvPr/>
+        </p:nvCxnSpPr>
+        <p:spPr>
+          <a:xfrm flipH="1" flipV="1">
+            <a:off x="3582785" y="3665914"/>
+            <a:ext cx="3030147" cy="91439"/>
+          </a:xfrm>
+          <a:prstGeom prst="straightConnector1">
+            <a:avLst/>
+          </a:prstGeom>
+          <a:ln>
+            <a:tailEnd type="triangle"/>
+          </a:ln>
+        </p:spPr>
+        <p:style>
+          <a:lnRef idx="1">
+            <a:schemeClr val="accent1"/>
+          </a:lnRef>
+          <a:fillRef idx="0">
+            <a:schemeClr val="accent1"/>
+          </a:fillRef>
+          <a:effectRef idx="0">
+            <a:schemeClr val="accent1"/>
+          </a:effectRef>
+          <a:fontRef idx="minor">
+            <a:schemeClr val="tx1"/>
+          </a:fontRef>
+        </p:style>
+      </p:cxnSp>
       <p:pic>
         <p:nvPicPr>
-          <p:cNvPr id="7" name="그림 6"/>
+          <p:cNvPr id="2" name="그림 1" descr="무료 일러스트: 동영상, 그림, 애니메이션, 비디오, 헤매고 ..."/>
           <p:cNvPicPr>
             <a:picLocks noChangeAspect="1"/>
           </p:cNvPicPr>
           <p:nvPr/>
         </p:nvPicPr>
         <p:blipFill>
-          <a:blip r:embed="rId3"/>
+          <a:blip r:embed="rId3" cstate="print">
+            <a:extLst>
+              <a:ext uri="{BEBA8EAE-BF5A-486C-A8C5-ECC9F3942E4B}">
+                <a14:imgProps xmlns:a14="http://schemas.microsoft.com/office/drawing/2010/main">
+                  <a14:imgLayer r:embed="rId4">
+                    <a14:imgEffect>
+                      <a14:backgroundRemoval t="0" b="100000" l="0" r="100000"/>
+                    </a14:imgEffect>
+                  </a14:imgLayer>
+                </a14:imgProps>
+              </a:ext>
+              <a:ext uri="{28A0092B-C50C-407E-A947-70E740481C1C}">
+                <a14:useLocalDpi xmlns:a14="http://schemas.microsoft.com/office/drawing/2010/main" val="0"/>
+              </a:ext>
+            </a:extLst>
+          </a:blip>
           <a:stretch>
             <a:fillRect/>
           </a:stretch>
         </p:blipFill>
         <p:spPr>
-          <a:xfrm>
-            <a:off x="6662998" y="1708113"/>
-            <a:ext cx="5304413" cy="3700800"/>
+          <a:xfrm flipH="1">
+            <a:off x="1294489" y="2109875"/>
+            <a:ext cx="2363792" cy="1837937"/>
           </a:xfrm>
           <a:prstGeom prst="rect">
             <a:avLst/>
@@ -15447,7 +15633,7 @@
     </p:spTree>
     <p:extLst>
       <p:ext uri="{BB962C8B-B14F-4D97-AF65-F5344CB8AC3E}">
-        <p14:creationId xmlns:p14="http://schemas.microsoft.com/office/powerpoint/2010/main" val="10927705"/>
+        <p14:creationId xmlns:p14="http://schemas.microsoft.com/office/powerpoint/2010/main" val="4126715153"/>
       </p:ext>
     </p:extLst>
   </p:cSld>
@@ -15705,7 +15891,7 @@
         <p:spPr>
           <a:xfrm>
             <a:off x="888557" y="265928"/>
-            <a:ext cx="2518638" cy="523220"/>
+            <a:ext cx="3812262" cy="523220"/>
           </a:xfrm>
           <a:prstGeom prst="rect">
             <a:avLst/>
@@ -15726,27 +15912,7 @@
                 <a:latin typeface="KoPub돋움체 Light" panose="02020603020101020101" pitchFamily="18" charset="-127"/>
                 <a:ea typeface="KoPub돋움체 Light" panose="02020603020101020101" pitchFamily="18" charset="-127"/>
               </a:rPr>
-              <a:t>시스템</a:t>
-            </a:r>
-            <a:r>
-              <a:rPr lang="en-US" altLang="ko-KR" sz="2800" dirty="0" smtClean="0">
-                <a:solidFill>
-                  <a:schemeClr val="bg1"/>
-                </a:solidFill>
-                <a:latin typeface="KoPub돋움체 Light" panose="02020603020101020101" pitchFamily="18" charset="-127"/>
-                <a:ea typeface="KoPub돋움체 Light" panose="02020603020101020101" pitchFamily="18" charset="-127"/>
-              </a:rPr>
-              <a:t> </a:t>
-            </a:r>
-            <a:r>
-              <a:rPr lang="ko-KR" altLang="en-US" sz="2800" dirty="0" smtClean="0">
-                <a:solidFill>
-                  <a:schemeClr val="bg1"/>
-                </a:solidFill>
-                <a:latin typeface="KoPub돋움체 Light" panose="02020603020101020101" pitchFamily="18" charset="-127"/>
-                <a:ea typeface="KoPub돋움체 Light" panose="02020603020101020101" pitchFamily="18" charset="-127"/>
-              </a:rPr>
-              <a:t>구성도</a:t>
+              <a:t>작품의 요구 및 성능 요약</a:t>
             </a:r>
             <a:endParaRPr lang="en-US" altLang="ko-KR" sz="2800" dirty="0">
               <a:solidFill>
@@ -15949,28 +16115,46 @@
       </p:sp>
       <p:pic>
         <p:nvPicPr>
-          <p:cNvPr id="5" name="그림 4"/>
+          <p:cNvPr id="6" name="그림 5"/>
           <p:cNvPicPr>
             <a:picLocks noChangeAspect="1"/>
           </p:cNvPicPr>
           <p:nvPr/>
         </p:nvPicPr>
         <p:blipFill>
-          <a:blip r:embed="rId2">
-            <a:extLst>
-              <a:ext uri="{28A0092B-C50C-407E-A947-70E740481C1C}">
-                <a14:useLocalDpi xmlns:a14="http://schemas.microsoft.com/office/drawing/2010/main" val="0"/>
-              </a:ext>
-            </a:extLst>
-          </a:blip>
+          <a:blip r:embed="rId2"/>
           <a:stretch>
             <a:fillRect/>
           </a:stretch>
         </p:blipFill>
         <p:spPr>
           <a:xfrm>
-            <a:off x="2661552" y="1582861"/>
-            <a:ext cx="6699191" cy="4800489"/>
+            <a:off x="236707" y="1708113"/>
+            <a:ext cx="5774441" cy="3700800"/>
+          </a:xfrm>
+          <a:prstGeom prst="rect">
+            <a:avLst/>
+          </a:prstGeom>
+        </p:spPr>
+      </p:pic>
+      <p:pic>
+        <p:nvPicPr>
+          <p:cNvPr id="7" name="그림 6"/>
+          <p:cNvPicPr>
+            <a:picLocks noChangeAspect="1"/>
+          </p:cNvPicPr>
+          <p:nvPr/>
+        </p:nvPicPr>
+        <p:blipFill>
+          <a:blip r:embed="rId3"/>
+          <a:stretch>
+            <a:fillRect/>
+          </a:stretch>
+        </p:blipFill>
+        <p:spPr>
+          <a:xfrm>
+            <a:off x="6662998" y="1708113"/>
+            <a:ext cx="5304413" cy="3700800"/>
           </a:xfrm>
           <a:prstGeom prst="rect">
             <a:avLst/>
@@ -15980,7 +16164,7 @@
     </p:spTree>
     <p:extLst>
       <p:ext uri="{BB962C8B-B14F-4D97-AF65-F5344CB8AC3E}">
-        <p14:creationId xmlns:p14="http://schemas.microsoft.com/office/powerpoint/2010/main" val="723859204"/>
+        <p14:creationId xmlns:p14="http://schemas.microsoft.com/office/powerpoint/2010/main" val="10927705"/>
       </p:ext>
     </p:extLst>
   </p:cSld>
